--- a/Presentations/DL_Presentation_15_07_2021.pptx
+++ b/Presentations/DL_Presentation_15_07_2021.pptx
@@ -2680,46 +2680,6 @@
         </a:p>
       </dgm:t>
     </dgm:pt>
-    <dgm:pt modelId="{6C816ACA-3487-4893-8B69-31A06DC230E3}">
-      <dgm:prSet phldrT="[Text]"/>
-      <dgm:spPr/>
-      <dgm:t>
-        <a:bodyPr/>
-        <a:lstStyle/>
-        <a:p>
-          <a:r>
-            <a:rPr lang="en-GB" noProof="0" dirty="0"/>
-            <a:t>Accuracy: </a:t>
-          </a:r>
-          <a:r>
-            <a:rPr lang="en-GB" b="1" noProof="0" dirty="0"/>
-            <a:t>90.87%</a:t>
-          </a:r>
-        </a:p>
-      </dgm:t>
-    </dgm:pt>
-    <dgm:pt modelId="{3ECE9479-D73E-47C7-877B-6D1179054B65}" type="parTrans" cxnId="{247FB1C7-0844-4D48-84DA-148D50B7E948}">
-      <dgm:prSet/>
-      <dgm:spPr/>
-      <dgm:t>
-        <a:bodyPr/>
-        <a:lstStyle/>
-        <a:p>
-          <a:endParaRPr lang="de-DE"/>
-        </a:p>
-      </dgm:t>
-    </dgm:pt>
-    <dgm:pt modelId="{D324087D-301B-434A-AD8A-EAEAFEE09D61}" type="sibTrans" cxnId="{247FB1C7-0844-4D48-84DA-148D50B7E948}">
-      <dgm:prSet/>
-      <dgm:spPr/>
-      <dgm:t>
-        <a:bodyPr/>
-        <a:lstStyle/>
-        <a:p>
-          <a:endParaRPr lang="de-DE"/>
-        </a:p>
-      </dgm:t>
-    </dgm:pt>
     <dgm:pt modelId="{965FB2B3-FF57-4614-BCF4-1C2C358D9700}" type="pres">
       <dgm:prSet presAssocID="{1E5E367C-C17F-4E37-8D64-08FF1DD8DF8C}" presName="Name0" presStyleCnt="0">
         <dgm:presLayoutVars>
@@ -2915,10 +2875,8 @@
     <dgm:cxn modelId="{B97625E1-C342-4FBB-9720-9DB6D6F655D5}" srcId="{2275E0A0-654C-47C5-8A86-D2B6157157B0}" destId="{172B05FC-119A-47B9-949D-0CB584679F24}" srcOrd="0" destOrd="0" parTransId="{0C2A61CE-F4FF-4600-86AD-C3E248CC1B79}" sibTransId="{90F1EC0B-C96A-484D-8084-706DA2F2E2BE}"/>
     <dgm:cxn modelId="{0D58B2FE-0783-4247-ADC3-E76FEFEEABF6}" srcId="{1E5E367C-C17F-4E37-8D64-08FF1DD8DF8C}" destId="{1FE9AF27-6654-4BBE-B4BA-D54C614B7958}" srcOrd="2" destOrd="0" parTransId="{54B82E4C-233E-43CB-9231-0241BA466C74}" sibTransId="{AD793847-3154-4535-B87B-6ED2E10EDFE0}"/>
     <dgm:cxn modelId="{06F37D86-D639-4A90-9FD7-928BFCA70065}" type="presOf" srcId="{4B018E48-D095-4621-BBC2-4BD0E8C980C0}" destId="{6AC14AD3-AE6D-4868-A1A9-3351C1165641}" srcOrd="0" destOrd="0" presId="urn:microsoft.com/office/officeart/2005/8/layout/hList1"/>
-    <dgm:cxn modelId="{247FB1C7-0844-4D48-84DA-148D50B7E948}" srcId="{FA1A7BF6-5396-428E-8D44-8A32BD2FA150}" destId="{6C816ACA-3487-4893-8B69-31A06DC230E3}" srcOrd="2" destOrd="0" parTransId="{3ECE9479-D73E-47C7-877B-6D1179054B65}" sibTransId="{D324087D-301B-434A-AD8A-EAEAFEE09D61}"/>
     <dgm:cxn modelId="{E57BF78B-0333-466A-B03B-95C3C9CD0ABD}" type="presOf" srcId="{2275E0A0-654C-47C5-8A86-D2B6157157B0}" destId="{7111258F-1AAF-4E3F-8244-48D304EE10DD}" srcOrd="0" destOrd="0" presId="urn:microsoft.com/office/officeart/2005/8/layout/hList1"/>
     <dgm:cxn modelId="{4944E14B-C16E-4D14-A959-2BEC4A805CB0}" type="presOf" srcId="{DA5B5DF8-DFB0-4D79-95B4-E78BFBB78E4F}" destId="{9FB13856-8F9B-4B8F-890B-13C1AB453C5F}" srcOrd="0" destOrd="0" presId="urn:microsoft.com/office/officeart/2005/8/layout/hList1"/>
-    <dgm:cxn modelId="{3CA318F5-4540-4DD3-9DA6-96F09F02FEBE}" type="presOf" srcId="{6C816ACA-3487-4893-8B69-31A06DC230E3}" destId="{1416719B-12B3-4CB5-B236-EFC283C57114}" srcOrd="0" destOrd="2" presId="urn:microsoft.com/office/officeart/2005/8/layout/hList1"/>
     <dgm:cxn modelId="{BC0B83FA-B0E2-4B25-9C0A-3A0093B20DEF}" srcId="{2275E0A0-654C-47C5-8A86-D2B6157157B0}" destId="{35581704-E56C-4BCF-92CB-06223906C3B8}" srcOrd="1" destOrd="0" parTransId="{9D2E4872-712B-450F-96D8-4414300411AD}" sibTransId="{97F4B611-6D10-4E8A-B5B2-B0DF20E5D36C}"/>
     <dgm:cxn modelId="{4C426D03-81A9-4AC8-9DB1-781CE0E311F5}" type="presOf" srcId="{172B05FC-119A-47B9-949D-0CB584679F24}" destId="{F203B3F7-7445-43DF-9F97-1CDE7162B689}" srcOrd="0" destOrd="0" presId="urn:microsoft.com/office/officeart/2005/8/layout/hList1"/>
     <dgm:cxn modelId="{90F4EA14-0770-47DD-9F43-F8115E51A1A4}" srcId="{1FE9AF27-6654-4BBE-B4BA-D54C614B7958}" destId="{DA5B5DF8-DFB0-4D79-95B4-E78BFBB78E4F}" srcOrd="0" destOrd="0" parTransId="{9459352E-C485-4981-99B2-B1FDA23BC53D}" sibTransId="{3488A5C8-625B-4DCB-8922-120C48F9D8E6}"/>
@@ -3651,7 +3609,7 @@
       </dsp:nvSpPr>
       <dsp:spPr>
         <a:xfrm>
-          <a:off x="3055" y="693088"/>
+          <a:off x="3055" y="949788"/>
           <a:ext cx="1837531" cy="658713"/>
         </a:xfrm>
         <a:prstGeom prst="rect">
@@ -3717,7 +3675,7 @@
         </a:p>
       </dsp:txBody>
       <dsp:txXfrm>
-        <a:off x="3055" y="693088"/>
+        <a:off x="3055" y="949788"/>
         <a:ext cx="1837531" cy="658713"/>
       </dsp:txXfrm>
     </dsp:sp>
@@ -3728,8 +3686,8 @@
       </dsp:nvSpPr>
       <dsp:spPr>
         <a:xfrm>
-          <a:off x="3055" y="1351802"/>
-          <a:ext cx="1837531" cy="3373776"/>
+          <a:off x="3055" y="1608502"/>
+          <a:ext cx="1837531" cy="2860375"/>
         </a:xfrm>
         <a:prstGeom prst="rect">
           <a:avLst/>
@@ -3840,8 +3798,8 @@
         </a:p>
       </dsp:txBody>
       <dsp:txXfrm>
-        <a:off x="3055" y="1351802"/>
-        <a:ext cx="1837531" cy="3373776"/>
+        <a:off x="3055" y="1608502"/>
+        <a:ext cx="1837531" cy="2860375"/>
       </dsp:txXfrm>
     </dsp:sp>
     <dsp:sp modelId="{6C36BDD5-81A9-4CFE-ACA9-9A8BE9E08075}">
@@ -3851,7 +3809,7 @@
       </dsp:nvSpPr>
       <dsp:spPr>
         <a:xfrm>
-          <a:off x="2097841" y="693088"/>
+          <a:off x="2097841" y="949788"/>
           <a:ext cx="1837531" cy="658713"/>
         </a:xfrm>
         <a:prstGeom prst="rect">
@@ -3917,7 +3875,7 @@
         </a:p>
       </dsp:txBody>
       <dsp:txXfrm>
-        <a:off x="2097841" y="693088"/>
+        <a:off x="2097841" y="949788"/>
         <a:ext cx="1837531" cy="658713"/>
       </dsp:txXfrm>
     </dsp:sp>
@@ -3928,8 +3886,8 @@
       </dsp:nvSpPr>
       <dsp:spPr>
         <a:xfrm>
-          <a:off x="2097841" y="1351802"/>
-          <a:ext cx="1837531" cy="3373776"/>
+          <a:off x="2097841" y="1608502"/>
+          <a:ext cx="1837531" cy="2860375"/>
         </a:xfrm>
         <a:prstGeom prst="rect">
           <a:avLst/>
@@ -4040,8 +3998,8 @@
         </a:p>
       </dsp:txBody>
       <dsp:txXfrm>
-        <a:off x="2097841" y="1351802"/>
-        <a:ext cx="1837531" cy="3373776"/>
+        <a:off x="2097841" y="1608502"/>
+        <a:ext cx="1837531" cy="2860375"/>
       </dsp:txXfrm>
     </dsp:sp>
     <dsp:sp modelId="{19AB32B9-7166-4D05-970E-18E105F12F65}">
@@ -4051,7 +4009,7 @@
       </dsp:nvSpPr>
       <dsp:spPr>
         <a:xfrm>
-          <a:off x="4192627" y="693088"/>
+          <a:off x="4192627" y="949788"/>
           <a:ext cx="1837531" cy="658713"/>
         </a:xfrm>
         <a:prstGeom prst="rect">
@@ -4118,7 +4076,7 @@
         </a:p>
       </dsp:txBody>
       <dsp:txXfrm>
-        <a:off x="4192627" y="693088"/>
+        <a:off x="4192627" y="949788"/>
         <a:ext cx="1837531" cy="658713"/>
       </dsp:txXfrm>
     </dsp:sp>
@@ -4129,8 +4087,8 @@
       </dsp:nvSpPr>
       <dsp:spPr>
         <a:xfrm>
-          <a:off x="4192627" y="1351802"/>
-          <a:ext cx="1837531" cy="3373776"/>
+          <a:off x="4192627" y="1608502"/>
+          <a:ext cx="1837531" cy="2860375"/>
         </a:xfrm>
         <a:prstGeom prst="rect">
           <a:avLst/>
@@ -4242,8 +4200,8 @@
         </a:p>
       </dsp:txBody>
       <dsp:txXfrm>
-        <a:off x="4192627" y="1351802"/>
-        <a:ext cx="1837531" cy="3373776"/>
+        <a:off x="4192627" y="1608502"/>
+        <a:ext cx="1837531" cy="2860375"/>
       </dsp:txXfrm>
     </dsp:sp>
     <dsp:sp modelId="{3F3EBAA9-6267-433D-ACA4-F013E0AC5AB4}">
@@ -4253,7 +4211,7 @@
       </dsp:nvSpPr>
       <dsp:spPr>
         <a:xfrm>
-          <a:off x="6287412" y="693088"/>
+          <a:off x="6287412" y="949788"/>
           <a:ext cx="1837531" cy="658713"/>
         </a:xfrm>
         <a:prstGeom prst="rect">
@@ -4319,7 +4277,7 @@
         </a:p>
       </dsp:txBody>
       <dsp:txXfrm>
-        <a:off x="6287412" y="693088"/>
+        <a:off x="6287412" y="949788"/>
         <a:ext cx="1837531" cy="658713"/>
       </dsp:txXfrm>
     </dsp:sp>
@@ -4330,8 +4288,8 @@
       </dsp:nvSpPr>
       <dsp:spPr>
         <a:xfrm>
-          <a:off x="6287412" y="1351802"/>
-          <a:ext cx="1837531" cy="3373776"/>
+          <a:off x="6287412" y="1608502"/>
+          <a:ext cx="1837531" cy="2860375"/>
         </a:xfrm>
         <a:prstGeom prst="rect">
           <a:avLst/>
@@ -4419,32 +4377,10 @@
             <a:t>Freezing of the first layers and stacking new layers on top</a:t>
           </a:r>
         </a:p>
-        <a:p>
-          <a:pPr marL="171450" lvl="1" indent="-171450" algn="l" defTabSz="844550">
-            <a:lnSpc>
-              <a:spcPct val="90000"/>
-            </a:lnSpc>
-            <a:spcBef>
-              <a:spcPct val="0"/>
-            </a:spcBef>
-            <a:spcAft>
-              <a:spcPct val="15000"/>
-            </a:spcAft>
-            <a:buChar char="••"/>
-          </a:pPr>
-          <a:r>
-            <a:rPr lang="en-GB" sz="1900" kern="1200" noProof="0" dirty="0"/>
-            <a:t>Accuracy: </a:t>
-          </a:r>
-          <a:r>
-            <a:rPr lang="en-GB" sz="1900" b="1" kern="1200" noProof="0" dirty="0"/>
-            <a:t>90.87%</a:t>
-          </a:r>
-        </a:p>
       </dsp:txBody>
       <dsp:txXfrm>
-        <a:off x="6287412" y="1351802"/>
-        <a:ext cx="1837531" cy="3373776"/>
+        <a:off x="6287412" y="1608502"/>
+        <a:ext cx="1837531" cy="2860375"/>
       </dsp:txXfrm>
     </dsp:sp>
   </dsp:spTree>
@@ -10213,7 +10149,7 @@
                 <a16:creationId xmlns:a16="http://schemas.microsoft.com/office/drawing/2014/main" id="{85CB65D0-496F-4797-A015-C85839E35D1A}"/>
               </a:ext>
               <a:ext uri="{C183D7F6-B498-43B3-948B-1728B52AA6E4}">
-                <adec:decorative xmlns:adec="http://schemas.microsoft.com/office/drawing/2017/decorative" xmlns="" val="1"/>
+                <adec:decorative xmlns="" xmlns:adec="http://schemas.microsoft.com/office/drawing/2017/decorative" val="1"/>
               </a:ext>
             </a:extLst>
           </p:cNvPr>
@@ -10318,7 +10254,7 @@
                 <a16:creationId xmlns:a16="http://schemas.microsoft.com/office/drawing/2014/main" id="{95D2C779-8883-4E5F-A170-0F464918C1B7}"/>
               </a:ext>
               <a:ext uri="{C183D7F6-B498-43B3-948B-1728B52AA6E4}">
-                <adec:decorative xmlns:adec="http://schemas.microsoft.com/office/drawing/2017/decorative" xmlns="" val="1"/>
+                <adec:decorative xmlns="" xmlns:adec="http://schemas.microsoft.com/office/drawing/2017/decorative" val="1"/>
               </a:ext>
             </a:extLst>
           </p:cNvPr>
@@ -10502,7 +10438,7 @@
                 <a16:creationId xmlns:a16="http://schemas.microsoft.com/office/drawing/2014/main" id="{BD96A694-258D-4418-A83C-B9BA72FD44B8}"/>
               </a:ext>
               <a:ext uri="{C183D7F6-B498-43B3-948B-1728B52AA6E4}">
-                <adec:decorative xmlns:adec="http://schemas.microsoft.com/office/drawing/2017/decorative" xmlns="" val="1"/>
+                <adec:decorative xmlns="" xmlns:adec="http://schemas.microsoft.com/office/drawing/2017/decorative" val="1"/>
               </a:ext>
             </a:extLst>
           </p:cNvPr>
@@ -10754,7 +10690,7 @@
                 <a14:useLocalDpi xmlns:a14="http://schemas.microsoft.com/office/drawing/2010/main" val="0"/>
               </a:ext>
               <a:ext uri="{96DAC541-7B7A-43D3-8B79-37D633B846F1}">
-                <asvg:svgBlip xmlns:asvg="http://schemas.microsoft.com/office/drawing/2016/SVG/main" xmlns="" r:embed="rId8"/>
+                <asvg:svgBlip xmlns="" xmlns:asvg="http://schemas.microsoft.com/office/drawing/2016/SVG/main" r:embed="rId8"/>
               </a:ext>
             </a:extLst>
           </a:blip>
@@ -10793,7 +10729,7 @@
                 <a14:useLocalDpi xmlns:a14="http://schemas.microsoft.com/office/drawing/2010/main" val="0"/>
               </a:ext>
               <a:ext uri="{96DAC541-7B7A-43D3-8B79-37D633B846F1}">
-                <asvg:svgBlip xmlns:asvg="http://schemas.microsoft.com/office/drawing/2016/SVG/main" xmlns="" r:embed="rId8"/>
+                <asvg:svgBlip xmlns="" xmlns:asvg="http://schemas.microsoft.com/office/drawing/2016/SVG/main" r:embed="rId8"/>
               </a:ext>
             </a:extLst>
           </a:blip>
@@ -10832,7 +10768,7 @@
                 <a14:useLocalDpi xmlns:a14="http://schemas.microsoft.com/office/drawing/2010/main" val="0"/>
               </a:ext>
               <a:ext uri="{96DAC541-7B7A-43D3-8B79-37D633B846F1}">
-                <asvg:svgBlip xmlns:asvg="http://schemas.microsoft.com/office/drawing/2016/SVG/main" xmlns="" r:embed="rId8"/>
+                <asvg:svgBlip xmlns="" xmlns:asvg="http://schemas.microsoft.com/office/drawing/2016/SVG/main" r:embed="rId8"/>
               </a:ext>
             </a:extLst>
           </a:blip>
@@ -10871,7 +10807,7 @@
                 <a14:useLocalDpi xmlns:a14="http://schemas.microsoft.com/office/drawing/2010/main" val="0"/>
               </a:ext>
               <a:ext uri="{96DAC541-7B7A-43D3-8B79-37D633B846F1}">
-                <asvg:svgBlip xmlns:asvg="http://schemas.microsoft.com/office/drawing/2016/SVG/main" xmlns="" r:embed="rId10"/>
+                <asvg:svgBlip xmlns="" xmlns:asvg="http://schemas.microsoft.com/office/drawing/2016/SVG/main" r:embed="rId10"/>
               </a:ext>
             </a:extLst>
           </a:blip>
@@ -10907,7 +10843,7 @@
           <a:blip r:embed="rId11">
             <a:extLst>
               <a:ext uri="{837473B0-CC2E-450A-ABE3-18F120FF3D39}">
-                <a1611:picAttrSrcUrl xmlns:a1611="http://schemas.microsoft.com/office/drawing/2016/11/main" xmlns="" r:id="rId12"/>
+                <a1611:picAttrSrcUrl xmlns="" xmlns:a1611="http://schemas.microsoft.com/office/drawing/2016/11/main" r:id="rId12"/>
               </a:ext>
             </a:extLst>
           </a:blip>
@@ -10946,7 +10882,7 @@
                 <a14:useLocalDpi xmlns:a14="http://schemas.microsoft.com/office/drawing/2010/main" val="0"/>
               </a:ext>
               <a:ext uri="{96DAC541-7B7A-43D3-8B79-37D633B846F1}">
-                <asvg:svgBlip xmlns:asvg="http://schemas.microsoft.com/office/drawing/2016/SVG/main" xmlns="" r:embed="rId8"/>
+                <asvg:svgBlip xmlns="" xmlns:asvg="http://schemas.microsoft.com/office/drawing/2016/SVG/main" r:embed="rId8"/>
               </a:ext>
             </a:extLst>
           </a:blip>
@@ -11035,7 +10971,7 @@
           <p:nvPr>
             <p:extLst>
               <p:ext uri="{D42A27DB-BD31-4B8C-83A1-F6EECF244321}">
-                <p14:modId xmlns:p14="http://schemas.microsoft.com/office/powerpoint/2010/main" val="3135722818"/>
+                <p14:modId xmlns:p14="http://schemas.microsoft.com/office/powerpoint/2010/main" val="4197788259"/>
               </p:ext>
             </p:extLst>
           </p:nvPr>
@@ -11096,7 +11032,7 @@
                 <a16:creationId xmlns:a16="http://schemas.microsoft.com/office/drawing/2014/main" id="{94E1CBB2-207D-4AB2-9FE1-BB3DFB5F50D8}"/>
               </a:ext>
               <a:ext uri="{C183D7F6-B498-43B3-948B-1728B52AA6E4}">
-                <adec:decorative xmlns:adec="http://schemas.microsoft.com/office/drawing/2017/decorative" xmlns="" val="1"/>
+                <adec:decorative xmlns="" xmlns:adec="http://schemas.microsoft.com/office/drawing/2017/decorative" val="1"/>
               </a:ext>
             </a:extLst>
           </p:cNvPr>
@@ -11193,7 +11129,7 @@
                 <a16:creationId xmlns:a16="http://schemas.microsoft.com/office/drawing/2014/main" id="{7B7C8768-C0E6-4BF8-9262-74D645629035}"/>
               </a:ext>
               <a:ext uri="{C183D7F6-B498-43B3-948B-1728B52AA6E4}">
-                <adec:decorative xmlns:adec="http://schemas.microsoft.com/office/drawing/2017/decorative" xmlns="" val="1"/>
+                <adec:decorative xmlns="" xmlns:adec="http://schemas.microsoft.com/office/drawing/2017/decorative" val="1"/>
               </a:ext>
             </a:extLst>
           </p:cNvPr>
@@ -11259,7 +11195,7 @@
                 <a16:creationId xmlns:a16="http://schemas.microsoft.com/office/drawing/2014/main" id="{B063FAF9-ACC5-4257-A431-AB2FCFD5CE27}"/>
               </a:ext>
               <a:ext uri="{C183D7F6-B498-43B3-948B-1728B52AA6E4}">
-                <adec:decorative xmlns:adec="http://schemas.microsoft.com/office/drawing/2017/decorative" xmlns="" val="1"/>
+                <adec:decorative xmlns="" xmlns:adec="http://schemas.microsoft.com/office/drawing/2017/decorative" val="1"/>
               </a:ext>
             </a:extLst>
           </p:cNvPr>
@@ -11325,7 +11261,7 @@
                 <a16:creationId xmlns:a16="http://schemas.microsoft.com/office/drawing/2014/main" id="{B3842A57-5543-489A-8D76-ECB59F25A14B}"/>
               </a:ext>
               <a:ext uri="{C183D7F6-B498-43B3-948B-1728B52AA6E4}">
-                <adec:decorative xmlns:adec="http://schemas.microsoft.com/office/drawing/2017/decorative" xmlns="" val="1"/>
+                <adec:decorative xmlns="" xmlns:adec="http://schemas.microsoft.com/office/drawing/2017/decorative" val="1"/>
               </a:ext>
             </a:extLst>
           </p:cNvPr>
@@ -11390,7 +11326,7 @@
                 <a16:creationId xmlns:a16="http://schemas.microsoft.com/office/drawing/2014/main" id="{6B5AB787-5A1E-418D-8980-5F3361C65541}"/>
               </a:ext>
               <a:ext uri="{C183D7F6-B498-43B3-948B-1728B52AA6E4}">
-                <adec:decorative xmlns:adec="http://schemas.microsoft.com/office/drawing/2017/decorative" xmlns="" val="1"/>
+                <adec:decorative xmlns="" xmlns:adec="http://schemas.microsoft.com/office/drawing/2017/decorative" val="1"/>
               </a:ext>
             </a:extLst>
           </p:cNvPr>
@@ -11745,9 +11681,12 @@
 </file>
 
 <file path=customXml/item1.xml><?xml version="1.0" encoding="utf-8"?>
-<p:properties xmlns:p="http://schemas.microsoft.com/office/2006/metadata/properties" xmlns:xsi="http://www.w3.org/2001/XMLSchema-instance" xmlns:pc="http://schemas.microsoft.com/office/infopath/2007/PartnerControls">
-  <documentManagement/>
-</p:properties>
+<?mso-contentType ?>
+<FormTemplates xmlns="http://schemas.microsoft.com/sharepoint/v3/contenttype/forms">
+  <Display>DocumentLibraryForm</Display>
+  <Edit>DocumentLibraryForm</Edit>
+  <New>DocumentLibraryForm</New>
+</FormTemplates>
 </file>
 
 <file path=customXml/item2.xml><?xml version="1.0" encoding="utf-8"?>
@@ -11897,26 +11836,15 @@
 </file>
 
 <file path=customXml/item3.xml><?xml version="1.0" encoding="utf-8"?>
-<?mso-contentType ?>
-<FormTemplates xmlns="http://schemas.microsoft.com/sharepoint/v3/contenttype/forms">
-  <Display>DocumentLibraryForm</Display>
-  <Edit>DocumentLibraryForm</Edit>
-  <New>DocumentLibraryForm</New>
-</FormTemplates>
+<p:properties xmlns:p="http://schemas.microsoft.com/office/2006/metadata/properties" xmlns:xsi="http://www.w3.org/2001/XMLSchema-instance" xmlns:pc="http://schemas.microsoft.com/office/infopath/2007/PartnerControls">
+  <documentManagement/>
+</p:properties>
 </file>
 
 <file path=customXml/itemProps1.xml><?xml version="1.0" encoding="utf-8"?>
-<ds:datastoreItem xmlns:ds="http://schemas.openxmlformats.org/officeDocument/2006/customXml" ds:itemID="{78BCFE3F-4D97-4162-BFB4-3D742350F29D}">
+<ds:datastoreItem xmlns:ds="http://schemas.openxmlformats.org/officeDocument/2006/customXml" ds:itemID="{923EC2DD-E546-4A38-BCD6-59F807671D8E}">
   <ds:schemaRefs>
-    <ds:schemaRef ds:uri="http://schemas.microsoft.com/office/infopath/2007/PartnerControls"/>
-    <ds:schemaRef ds:uri="8f5cbb60-a894-4ff0-ac77-fa10a38c4ca4"/>
-    <ds:schemaRef ds:uri="http://schemas.microsoft.com/office/2006/documentManagement/types"/>
-    <ds:schemaRef ds:uri="http://schemas.microsoft.com/office/2006/metadata/properties"/>
-    <ds:schemaRef ds:uri="http://purl.org/dc/terms/"/>
-    <ds:schemaRef ds:uri="http://schemas.openxmlformats.org/package/2006/metadata/core-properties"/>
-    <ds:schemaRef ds:uri="http://purl.org/dc/dcmitype/"/>
-    <ds:schemaRef ds:uri="http://www.w3.org/XML/1998/namespace"/>
-    <ds:schemaRef ds:uri="http://purl.org/dc/elements/1.1/"/>
+    <ds:schemaRef ds:uri="http://schemas.microsoft.com/sharepoint/v3/contenttype/forms"/>
   </ds:schemaRefs>
 </ds:datastoreItem>
 </file>
@@ -11940,9 +11868,17 @@
 </file>
 
 <file path=customXml/itemProps3.xml><?xml version="1.0" encoding="utf-8"?>
-<ds:datastoreItem xmlns:ds="http://schemas.openxmlformats.org/officeDocument/2006/customXml" ds:itemID="{923EC2DD-E546-4A38-BCD6-59F807671D8E}">
+<ds:datastoreItem xmlns:ds="http://schemas.openxmlformats.org/officeDocument/2006/customXml" ds:itemID="{78BCFE3F-4D97-4162-BFB4-3D742350F29D}">
   <ds:schemaRefs>
-    <ds:schemaRef ds:uri="http://schemas.microsoft.com/sharepoint/v3/contenttype/forms"/>
+    <ds:schemaRef ds:uri="http://schemas.microsoft.com/office/infopath/2007/PartnerControls"/>
+    <ds:schemaRef ds:uri="8f5cbb60-a894-4ff0-ac77-fa10a38c4ca4"/>
+    <ds:schemaRef ds:uri="http://schemas.microsoft.com/office/2006/documentManagement/types"/>
+    <ds:schemaRef ds:uri="http://schemas.microsoft.com/office/2006/metadata/properties"/>
+    <ds:schemaRef ds:uri="http://purl.org/dc/terms/"/>
+    <ds:schemaRef ds:uri="http://schemas.openxmlformats.org/package/2006/metadata/core-properties"/>
+    <ds:schemaRef ds:uri="http://purl.org/dc/dcmitype/"/>
+    <ds:schemaRef ds:uri="http://www.w3.org/XML/1998/namespace"/>
+    <ds:schemaRef ds:uri="http://purl.org/dc/elements/1.1/"/>
   </ds:schemaRefs>
 </ds:datastoreItem>
 </file>
--- a/Presentations/DL_Presentation_15_07_2021.pptx
+++ b/Presentations/DL_Presentation_15_07_2021.pptx
@@ -1950,35 +1950,14 @@
         </dgm:presLayoutVars>
       </dgm:prSet>
       <dgm:spPr/>
-      <dgm:t>
-        <a:bodyPr/>
-        <a:lstStyle/>
-        <a:p>
-          <a:endParaRPr lang="de-DE"/>
-        </a:p>
-      </dgm:t>
     </dgm:pt>
     <dgm:pt modelId="{01727E2A-F057-454C-8282-893B42FCE9E7}" type="pres">
       <dgm:prSet presAssocID="{6F8AEA9D-1DD7-49B5-ADBB-E07A66682F29}" presName="sibTrans" presStyleLbl="sibTrans2D1" presStyleIdx="0" presStyleCnt="4"/>
       <dgm:spPr/>
-      <dgm:t>
-        <a:bodyPr/>
-        <a:lstStyle/>
-        <a:p>
-          <a:endParaRPr lang="de-DE"/>
-        </a:p>
-      </dgm:t>
     </dgm:pt>
     <dgm:pt modelId="{76516D1A-9F94-4CF8-96E5-E07BE7152C76}" type="pres">
       <dgm:prSet presAssocID="{6F8AEA9D-1DD7-49B5-ADBB-E07A66682F29}" presName="connectorText" presStyleLbl="sibTrans2D1" presStyleIdx="0" presStyleCnt="4"/>
       <dgm:spPr/>
-      <dgm:t>
-        <a:bodyPr/>
-        <a:lstStyle/>
-        <a:p>
-          <a:endParaRPr lang="de-DE"/>
-        </a:p>
-      </dgm:t>
     </dgm:pt>
     <dgm:pt modelId="{BCC58945-041A-45E0-A70C-110F05139EC9}" type="pres">
       <dgm:prSet presAssocID="{F47EFA4F-890A-468D-85DA-BB443DC9D62D}" presName="node" presStyleLbl="node1" presStyleIdx="1" presStyleCnt="5">
@@ -1987,35 +1966,14 @@
         </dgm:presLayoutVars>
       </dgm:prSet>
       <dgm:spPr/>
-      <dgm:t>
-        <a:bodyPr/>
-        <a:lstStyle/>
-        <a:p>
-          <a:endParaRPr lang="de-DE"/>
-        </a:p>
-      </dgm:t>
     </dgm:pt>
     <dgm:pt modelId="{592D69DF-19D8-4859-AD72-E00A32EE54AB}" type="pres">
       <dgm:prSet presAssocID="{7F2F2B97-4EA5-49AA-B21F-7B1785F673C7}" presName="sibTrans" presStyleLbl="sibTrans2D1" presStyleIdx="1" presStyleCnt="4"/>
       <dgm:spPr/>
-      <dgm:t>
-        <a:bodyPr/>
-        <a:lstStyle/>
-        <a:p>
-          <a:endParaRPr lang="de-DE"/>
-        </a:p>
-      </dgm:t>
     </dgm:pt>
     <dgm:pt modelId="{F172404A-B704-4E9F-A316-B2ACC2EB0F3D}" type="pres">
       <dgm:prSet presAssocID="{7F2F2B97-4EA5-49AA-B21F-7B1785F673C7}" presName="connectorText" presStyleLbl="sibTrans2D1" presStyleIdx="1" presStyleCnt="4"/>
       <dgm:spPr/>
-      <dgm:t>
-        <a:bodyPr/>
-        <a:lstStyle/>
-        <a:p>
-          <a:endParaRPr lang="de-DE"/>
-        </a:p>
-      </dgm:t>
     </dgm:pt>
     <dgm:pt modelId="{6DF4E695-1441-487E-8234-D79E3D19ECF0}" type="pres">
       <dgm:prSet presAssocID="{57AE369D-2FB8-432B-89F6-0D929EB9E316}" presName="node" presStyleLbl="node1" presStyleIdx="2" presStyleCnt="5">
@@ -2024,35 +1982,14 @@
         </dgm:presLayoutVars>
       </dgm:prSet>
       <dgm:spPr/>
-      <dgm:t>
-        <a:bodyPr/>
-        <a:lstStyle/>
-        <a:p>
-          <a:endParaRPr lang="de-DE"/>
-        </a:p>
-      </dgm:t>
     </dgm:pt>
     <dgm:pt modelId="{648E3F59-3BE6-41BB-818E-6CA82958954A}" type="pres">
       <dgm:prSet presAssocID="{94E90018-B592-4D63-9D60-8655A3824BEF}" presName="sibTrans" presStyleLbl="sibTrans2D1" presStyleIdx="2" presStyleCnt="4"/>
       <dgm:spPr/>
-      <dgm:t>
-        <a:bodyPr/>
-        <a:lstStyle/>
-        <a:p>
-          <a:endParaRPr lang="de-DE"/>
-        </a:p>
-      </dgm:t>
     </dgm:pt>
     <dgm:pt modelId="{430EEBA3-E798-4423-A731-364860295FEE}" type="pres">
       <dgm:prSet presAssocID="{94E90018-B592-4D63-9D60-8655A3824BEF}" presName="connectorText" presStyleLbl="sibTrans2D1" presStyleIdx="2" presStyleCnt="4"/>
       <dgm:spPr/>
-      <dgm:t>
-        <a:bodyPr/>
-        <a:lstStyle/>
-        <a:p>
-          <a:endParaRPr lang="de-DE"/>
-        </a:p>
-      </dgm:t>
     </dgm:pt>
     <dgm:pt modelId="{D0FF14C7-6483-42C3-A5C7-D81318CD1C26}" type="pres">
       <dgm:prSet presAssocID="{2D3EB27E-1555-4899-896D-5F1AE79DA1E4}" presName="node" presStyleLbl="node1" presStyleIdx="3" presStyleCnt="5">
@@ -2061,35 +1998,14 @@
         </dgm:presLayoutVars>
       </dgm:prSet>
       <dgm:spPr/>
-      <dgm:t>
-        <a:bodyPr/>
-        <a:lstStyle/>
-        <a:p>
-          <a:endParaRPr lang="de-DE"/>
-        </a:p>
-      </dgm:t>
     </dgm:pt>
     <dgm:pt modelId="{BE8752CB-4515-4BAF-8E53-205FE83EE9CE}" type="pres">
       <dgm:prSet presAssocID="{1DF0C7D8-92D9-42E1-9D4F-881B781FC5F6}" presName="sibTrans" presStyleLbl="sibTrans2D1" presStyleIdx="3" presStyleCnt="4"/>
       <dgm:spPr/>
-      <dgm:t>
-        <a:bodyPr/>
-        <a:lstStyle/>
-        <a:p>
-          <a:endParaRPr lang="de-DE"/>
-        </a:p>
-      </dgm:t>
     </dgm:pt>
     <dgm:pt modelId="{5AC927FA-E14E-405A-893B-E3F8C127F44D}" type="pres">
       <dgm:prSet presAssocID="{1DF0C7D8-92D9-42E1-9D4F-881B781FC5F6}" presName="connectorText" presStyleLbl="sibTrans2D1" presStyleIdx="3" presStyleCnt="4"/>
       <dgm:spPr/>
-      <dgm:t>
-        <a:bodyPr/>
-        <a:lstStyle/>
-        <a:p>
-          <a:endParaRPr lang="de-DE"/>
-        </a:p>
-      </dgm:t>
     </dgm:pt>
     <dgm:pt modelId="{11777C87-F8B5-4E20-9124-86469860EEB6}" type="pres">
       <dgm:prSet presAssocID="{2605A352-3925-4A74-A822-F1906929EB95}" presName="node" presStyleLbl="node1" presStyleIdx="4" presStyleCnt="5">
@@ -2098,35 +2014,28 @@
         </dgm:presLayoutVars>
       </dgm:prSet>
       <dgm:spPr/>
-      <dgm:t>
-        <a:bodyPr/>
-        <a:lstStyle/>
-        <a:p>
-          <a:endParaRPr lang="de-DE"/>
-        </a:p>
-      </dgm:t>
     </dgm:pt>
   </dgm:ptLst>
   <dgm:cxnLst>
+    <dgm:cxn modelId="{47867C02-4BCB-4828-B7D8-DF7D8EB34AAE}" srcId="{9748ECAD-8832-4F7C-ABC5-A6802EDCFD20}" destId="{2D3EB27E-1555-4899-896D-5F1AE79DA1E4}" srcOrd="3" destOrd="0" parTransId="{05FB0E05-3193-44DC-881D-88306080B228}" sibTransId="{1DF0C7D8-92D9-42E1-9D4F-881B781FC5F6}"/>
+    <dgm:cxn modelId="{C926B709-4E0E-4FB9-B848-48950538E3C6}" type="presOf" srcId="{6F8AEA9D-1DD7-49B5-ADBB-E07A66682F29}" destId="{01727E2A-F057-454C-8282-893B42FCE9E7}" srcOrd="0" destOrd="0" presId="urn:microsoft.com/office/officeart/2005/8/layout/process1"/>
+    <dgm:cxn modelId="{5B23A211-CDD0-4A53-93DF-52B09EF32EB9}" type="presOf" srcId="{57AE369D-2FB8-432B-89F6-0D929EB9E316}" destId="{6DF4E695-1441-487E-8234-D79E3D19ECF0}" srcOrd="0" destOrd="0" presId="urn:microsoft.com/office/officeart/2005/8/layout/process1"/>
+    <dgm:cxn modelId="{972DAD1C-B860-4866-B410-C19C43DD4AF8}" srcId="{9748ECAD-8832-4F7C-ABC5-A6802EDCFD20}" destId="{5B45257A-EDE4-4AEF-BAFF-B2484FA1BF9F}" srcOrd="0" destOrd="0" parTransId="{433DA67A-6E59-45A4-8DF5-52F3A8EAC8BF}" sibTransId="{6F8AEA9D-1DD7-49B5-ADBB-E07A66682F29}"/>
+    <dgm:cxn modelId="{D5DB7D32-48B5-4972-A06F-D6103A41B5AD}" type="presOf" srcId="{1DF0C7D8-92D9-42E1-9D4F-881B781FC5F6}" destId="{5AC927FA-E14E-405A-893B-E3F8C127F44D}" srcOrd="1" destOrd="0" presId="urn:microsoft.com/office/officeart/2005/8/layout/process1"/>
+    <dgm:cxn modelId="{51D9D23F-43C8-42F1-A28B-459CA775EF86}" type="presOf" srcId="{94E90018-B592-4D63-9D60-8655A3824BEF}" destId="{648E3F59-3BE6-41BB-818E-6CA82958954A}" srcOrd="0" destOrd="0" presId="urn:microsoft.com/office/officeart/2005/8/layout/process1"/>
+    <dgm:cxn modelId="{69F3F544-45E5-4A49-BE64-892F1DD576B0}" type="presOf" srcId="{2605A352-3925-4A74-A822-F1906929EB95}" destId="{11777C87-F8B5-4E20-9124-86469860EEB6}" srcOrd="0" destOrd="0" presId="urn:microsoft.com/office/officeart/2005/8/layout/process1"/>
+    <dgm:cxn modelId="{D8B90670-0AE4-4A5F-BF55-09B68AEF16CA}" type="presOf" srcId="{94E90018-B592-4D63-9D60-8655A3824BEF}" destId="{430EEBA3-E798-4423-A731-364860295FEE}" srcOrd="1" destOrd="0" presId="urn:microsoft.com/office/officeart/2005/8/layout/process1"/>
+    <dgm:cxn modelId="{2A8DB573-82FE-44DD-A6A3-DB3FA6D5CFDD}" type="presOf" srcId="{6F8AEA9D-1DD7-49B5-ADBB-E07A66682F29}" destId="{76516D1A-9F94-4CF8-96E5-E07BE7152C76}" srcOrd="1" destOrd="0" presId="urn:microsoft.com/office/officeart/2005/8/layout/process1"/>
+    <dgm:cxn modelId="{B0FB8F56-138A-4BC0-AC07-20FDA8E392AD}" srcId="{9748ECAD-8832-4F7C-ABC5-A6802EDCFD20}" destId="{F47EFA4F-890A-468D-85DA-BB443DC9D62D}" srcOrd="1" destOrd="0" parTransId="{FD8576B2-B06C-42C0-961B-8533BEC118AF}" sibTransId="{7F2F2B97-4EA5-49AA-B21F-7B1785F673C7}"/>
     <dgm:cxn modelId="{E3F05C8B-DAF5-408D-8E5E-338BF5A65C77}" type="presOf" srcId="{5B45257A-EDE4-4AEF-BAFF-B2484FA1BF9F}" destId="{1A77D79B-D1AB-4176-AC16-CD66A70D1F9C}" srcOrd="0" destOrd="0" presId="urn:microsoft.com/office/officeart/2005/8/layout/process1"/>
-    <dgm:cxn modelId="{D5DB7D32-48B5-4972-A06F-D6103A41B5AD}" type="presOf" srcId="{1DF0C7D8-92D9-42E1-9D4F-881B781FC5F6}" destId="{5AC927FA-E14E-405A-893B-E3F8C127F44D}" srcOrd="1" destOrd="0" presId="urn:microsoft.com/office/officeart/2005/8/layout/process1"/>
+    <dgm:cxn modelId="{6515CAA4-203C-451F-A9F7-83EA5FF36ADA}" srcId="{9748ECAD-8832-4F7C-ABC5-A6802EDCFD20}" destId="{57AE369D-2FB8-432B-89F6-0D929EB9E316}" srcOrd="2" destOrd="0" parTransId="{1078B112-CB91-4B14-BB7E-B65890744260}" sibTransId="{94E90018-B592-4D63-9D60-8655A3824BEF}"/>
+    <dgm:cxn modelId="{9E00E8AA-1F81-4BE2-AB43-36CD99FA6D8C}" type="presOf" srcId="{1DF0C7D8-92D9-42E1-9D4F-881B781FC5F6}" destId="{BE8752CB-4515-4BAF-8E53-205FE83EE9CE}" srcOrd="0" destOrd="0" presId="urn:microsoft.com/office/officeart/2005/8/layout/process1"/>
+    <dgm:cxn modelId="{69EC74B9-F67C-4C40-AF4A-4E3D660D4D0C}" type="presOf" srcId="{7F2F2B97-4EA5-49AA-B21F-7B1785F673C7}" destId="{592D69DF-19D8-4859-AD72-E00A32EE54AB}" srcOrd="0" destOrd="0" presId="urn:microsoft.com/office/officeart/2005/8/layout/process1"/>
+    <dgm:cxn modelId="{DD783BD1-6981-4370-AE0C-BF490D796F8E}" type="presOf" srcId="{7F2F2B97-4EA5-49AA-B21F-7B1785F673C7}" destId="{F172404A-B704-4E9F-A316-B2ACC2EB0F3D}" srcOrd="1" destOrd="0" presId="urn:microsoft.com/office/officeart/2005/8/layout/process1"/>
+    <dgm:cxn modelId="{E98F1DD8-8740-4BFA-8A76-BCB6656BE7C8}" srcId="{9748ECAD-8832-4F7C-ABC5-A6802EDCFD20}" destId="{2605A352-3925-4A74-A822-F1906929EB95}" srcOrd="4" destOrd="0" parTransId="{32E04B0F-E30A-4AE7-A0AA-159F1D49EEE4}" sibTransId="{045A44CE-283F-4707-98A9-74BFD7F4BDA1}"/>
+    <dgm:cxn modelId="{BFF2E8DC-EB8E-4810-85F0-02E218525C27}" type="presOf" srcId="{9748ECAD-8832-4F7C-ABC5-A6802EDCFD20}" destId="{1770B58B-D915-451F-83E4-BE4AB7E5AEBD}" srcOrd="0" destOrd="0" presId="urn:microsoft.com/office/officeart/2005/8/layout/process1"/>
+    <dgm:cxn modelId="{2B9851DF-5D0F-4C6B-9C2C-737DA15AD1D8}" type="presOf" srcId="{F47EFA4F-890A-468D-85DA-BB443DC9D62D}" destId="{BCC58945-041A-45E0-A70C-110F05139EC9}" srcOrd="0" destOrd="0" presId="urn:microsoft.com/office/officeart/2005/8/layout/process1"/>
     <dgm:cxn modelId="{8D342CEF-9472-44D3-AE23-45FD46178032}" type="presOf" srcId="{2D3EB27E-1555-4899-896D-5F1AE79DA1E4}" destId="{D0FF14C7-6483-42C3-A5C7-D81318CD1C26}" srcOrd="0" destOrd="0" presId="urn:microsoft.com/office/officeart/2005/8/layout/process1"/>
-    <dgm:cxn modelId="{DD783BD1-6981-4370-AE0C-BF490D796F8E}" type="presOf" srcId="{7F2F2B97-4EA5-49AA-B21F-7B1785F673C7}" destId="{F172404A-B704-4E9F-A316-B2ACC2EB0F3D}" srcOrd="1" destOrd="0" presId="urn:microsoft.com/office/officeart/2005/8/layout/process1"/>
-    <dgm:cxn modelId="{5B23A211-CDD0-4A53-93DF-52B09EF32EB9}" type="presOf" srcId="{57AE369D-2FB8-432B-89F6-0D929EB9E316}" destId="{6DF4E695-1441-487E-8234-D79E3D19ECF0}" srcOrd="0" destOrd="0" presId="urn:microsoft.com/office/officeart/2005/8/layout/process1"/>
-    <dgm:cxn modelId="{69F3F544-45E5-4A49-BE64-892F1DD576B0}" type="presOf" srcId="{2605A352-3925-4A74-A822-F1906929EB95}" destId="{11777C87-F8B5-4E20-9124-86469860EEB6}" srcOrd="0" destOrd="0" presId="urn:microsoft.com/office/officeart/2005/8/layout/process1"/>
-    <dgm:cxn modelId="{BFF2E8DC-EB8E-4810-85F0-02E218525C27}" type="presOf" srcId="{9748ECAD-8832-4F7C-ABC5-A6802EDCFD20}" destId="{1770B58B-D915-451F-83E4-BE4AB7E5AEBD}" srcOrd="0" destOrd="0" presId="urn:microsoft.com/office/officeart/2005/8/layout/process1"/>
-    <dgm:cxn modelId="{69EC74B9-F67C-4C40-AF4A-4E3D660D4D0C}" type="presOf" srcId="{7F2F2B97-4EA5-49AA-B21F-7B1785F673C7}" destId="{592D69DF-19D8-4859-AD72-E00A32EE54AB}" srcOrd="0" destOrd="0" presId="urn:microsoft.com/office/officeart/2005/8/layout/process1"/>
-    <dgm:cxn modelId="{D8B90670-0AE4-4A5F-BF55-09B68AEF16CA}" type="presOf" srcId="{94E90018-B592-4D63-9D60-8655A3824BEF}" destId="{430EEBA3-E798-4423-A731-364860295FEE}" srcOrd="1" destOrd="0" presId="urn:microsoft.com/office/officeart/2005/8/layout/process1"/>
-    <dgm:cxn modelId="{47867C02-4BCB-4828-B7D8-DF7D8EB34AAE}" srcId="{9748ECAD-8832-4F7C-ABC5-A6802EDCFD20}" destId="{2D3EB27E-1555-4899-896D-5F1AE79DA1E4}" srcOrd="3" destOrd="0" parTransId="{05FB0E05-3193-44DC-881D-88306080B228}" sibTransId="{1DF0C7D8-92D9-42E1-9D4F-881B781FC5F6}"/>
-    <dgm:cxn modelId="{2A8DB573-82FE-44DD-A6A3-DB3FA6D5CFDD}" type="presOf" srcId="{6F8AEA9D-1DD7-49B5-ADBB-E07A66682F29}" destId="{76516D1A-9F94-4CF8-96E5-E07BE7152C76}" srcOrd="1" destOrd="0" presId="urn:microsoft.com/office/officeart/2005/8/layout/process1"/>
-    <dgm:cxn modelId="{2B9851DF-5D0F-4C6B-9C2C-737DA15AD1D8}" type="presOf" srcId="{F47EFA4F-890A-468D-85DA-BB443DC9D62D}" destId="{BCC58945-041A-45E0-A70C-110F05139EC9}" srcOrd="0" destOrd="0" presId="urn:microsoft.com/office/officeart/2005/8/layout/process1"/>
-    <dgm:cxn modelId="{6515CAA4-203C-451F-A9F7-83EA5FF36ADA}" srcId="{9748ECAD-8832-4F7C-ABC5-A6802EDCFD20}" destId="{57AE369D-2FB8-432B-89F6-0D929EB9E316}" srcOrd="2" destOrd="0" parTransId="{1078B112-CB91-4B14-BB7E-B65890744260}" sibTransId="{94E90018-B592-4D63-9D60-8655A3824BEF}"/>
-    <dgm:cxn modelId="{E98F1DD8-8740-4BFA-8A76-BCB6656BE7C8}" srcId="{9748ECAD-8832-4F7C-ABC5-A6802EDCFD20}" destId="{2605A352-3925-4A74-A822-F1906929EB95}" srcOrd="4" destOrd="0" parTransId="{32E04B0F-E30A-4AE7-A0AA-159F1D49EEE4}" sibTransId="{045A44CE-283F-4707-98A9-74BFD7F4BDA1}"/>
-    <dgm:cxn modelId="{972DAD1C-B860-4866-B410-C19C43DD4AF8}" srcId="{9748ECAD-8832-4F7C-ABC5-A6802EDCFD20}" destId="{5B45257A-EDE4-4AEF-BAFF-B2484FA1BF9F}" srcOrd="0" destOrd="0" parTransId="{433DA67A-6E59-45A4-8DF5-52F3A8EAC8BF}" sibTransId="{6F8AEA9D-1DD7-49B5-ADBB-E07A66682F29}"/>
-    <dgm:cxn modelId="{9E00E8AA-1F81-4BE2-AB43-36CD99FA6D8C}" type="presOf" srcId="{1DF0C7D8-92D9-42E1-9D4F-881B781FC5F6}" destId="{BE8752CB-4515-4BAF-8E53-205FE83EE9CE}" srcOrd="0" destOrd="0" presId="urn:microsoft.com/office/officeart/2005/8/layout/process1"/>
-    <dgm:cxn modelId="{51D9D23F-43C8-42F1-A28B-459CA775EF86}" type="presOf" srcId="{94E90018-B592-4D63-9D60-8655A3824BEF}" destId="{648E3F59-3BE6-41BB-818E-6CA82958954A}" srcOrd="0" destOrd="0" presId="urn:microsoft.com/office/officeart/2005/8/layout/process1"/>
-    <dgm:cxn modelId="{C926B709-4E0E-4FB9-B848-48950538E3C6}" type="presOf" srcId="{6F8AEA9D-1DD7-49B5-ADBB-E07A66682F29}" destId="{01727E2A-F057-454C-8282-893B42FCE9E7}" srcOrd="0" destOrd="0" presId="urn:microsoft.com/office/officeart/2005/8/layout/process1"/>
-    <dgm:cxn modelId="{B0FB8F56-138A-4BC0-AC07-20FDA8E392AD}" srcId="{9748ECAD-8832-4F7C-ABC5-A6802EDCFD20}" destId="{F47EFA4F-890A-468D-85DA-BB443DC9D62D}" srcOrd="1" destOrd="0" parTransId="{FD8576B2-B06C-42C0-961B-8533BEC118AF}" sibTransId="{7F2F2B97-4EA5-49AA-B21F-7B1785F673C7}"/>
     <dgm:cxn modelId="{D08DDD92-5D2B-4B37-A74B-39BF9AC8D519}" type="presParOf" srcId="{1770B58B-D915-451F-83E4-BE4AB7E5AEBD}" destId="{1A77D79B-D1AB-4176-AC16-CD66A70D1F9C}" srcOrd="0" destOrd="0" presId="urn:microsoft.com/office/officeart/2005/8/layout/process1"/>
     <dgm:cxn modelId="{DA3F6532-2528-443B-96F0-B428FA4712D1}" type="presParOf" srcId="{1770B58B-D915-451F-83E4-BE4AB7E5AEBD}" destId="{01727E2A-F057-454C-8282-893B42FCE9E7}" srcOrd="1" destOrd="0" presId="urn:microsoft.com/office/officeart/2005/8/layout/process1"/>
     <dgm:cxn modelId="{970DE3A3-67AE-4831-AB73-2CA97124520B}" type="presParOf" srcId="{01727E2A-F057-454C-8282-893B42FCE9E7}" destId="{76516D1A-9F94-4CF8-96E5-E07BE7152C76}" srcOrd="0" destOrd="0" presId="urn:microsoft.com/office/officeart/2005/8/layout/process1"/>
@@ -2272,7 +2181,7 @@
             <a:rPr lang="en-GB" b="1" i="0" noProof="0" dirty="0">
               <a:sym typeface="Wingdings" panose="05000000000000000000" pitchFamily="2" charset="2"/>
             </a:rPr>
-            <a:t>98.135%</a:t>
+            <a:t>still running</a:t>
           </a:r>
           <a:endParaRPr lang="en-GB" b="1" noProof="0" dirty="0"/>
         </a:p>
@@ -2405,7 +2314,7 @@
             <a:rPr lang="en-GB" b="1" i="0" noProof="0" dirty="0">
               <a:sym typeface="Wingdings" panose="05000000000000000000" pitchFamily="2" charset="2"/>
             </a:rPr>
-            <a:t>92.79%</a:t>
+            <a:t>still running</a:t>
           </a:r>
           <a:endParaRPr lang="en-GB" b="1" noProof="0" dirty="0"/>
         </a:p>
@@ -2541,7 +2450,7 @@
           </a:r>
           <a:r>
             <a:rPr lang="en-GB" b="1" noProof="0" dirty="0"/>
-            <a:t>93.51%</a:t>
+            <a:t>still running</a:t>
           </a:r>
         </a:p>
       </dgm:t>
@@ -2689,13 +2598,6 @@
         </dgm:presLayoutVars>
       </dgm:prSet>
       <dgm:spPr/>
-      <dgm:t>
-        <a:bodyPr/>
-        <a:lstStyle/>
-        <a:p>
-          <a:endParaRPr lang="de-DE"/>
-        </a:p>
-      </dgm:t>
     </dgm:pt>
     <dgm:pt modelId="{945D3C01-580E-49E0-B425-998DBF873EE2}" type="pres">
       <dgm:prSet presAssocID="{2275E0A0-654C-47C5-8A86-D2B6157157B0}" presName="composite" presStyleCnt="0"/>
@@ -2710,13 +2612,6 @@
         </dgm:presLayoutVars>
       </dgm:prSet>
       <dgm:spPr/>
-      <dgm:t>
-        <a:bodyPr/>
-        <a:lstStyle/>
-        <a:p>
-          <a:endParaRPr lang="de-DE"/>
-        </a:p>
-      </dgm:t>
     </dgm:pt>
     <dgm:pt modelId="{F203B3F7-7445-43DF-9F97-1CDE7162B689}" type="pres">
       <dgm:prSet presAssocID="{2275E0A0-654C-47C5-8A86-D2B6157157B0}" presName="desTx" presStyleLbl="alignAccFollowNode1" presStyleIdx="0" presStyleCnt="4">
@@ -2725,13 +2620,6 @@
         </dgm:presLayoutVars>
       </dgm:prSet>
       <dgm:spPr/>
-      <dgm:t>
-        <a:bodyPr/>
-        <a:lstStyle/>
-        <a:p>
-          <a:endParaRPr lang="de-DE"/>
-        </a:p>
-      </dgm:t>
     </dgm:pt>
     <dgm:pt modelId="{04B143A7-926E-40EC-80AB-E90AF87BB79E}" type="pres">
       <dgm:prSet presAssocID="{2ED63FC1-AA73-4D79-B17E-5818CDC53600}" presName="space" presStyleCnt="0"/>
@@ -2750,13 +2638,6 @@
         </dgm:presLayoutVars>
       </dgm:prSet>
       <dgm:spPr/>
-      <dgm:t>
-        <a:bodyPr/>
-        <a:lstStyle/>
-        <a:p>
-          <a:endParaRPr lang="de-DE"/>
-        </a:p>
-      </dgm:t>
     </dgm:pt>
     <dgm:pt modelId="{6AC14AD3-AE6D-4868-A1A9-3351C1165641}" type="pres">
       <dgm:prSet presAssocID="{02A7CEF8-907D-41F3-9F61-A22486C70E82}" presName="desTx" presStyleLbl="alignAccFollowNode1" presStyleIdx="1" presStyleCnt="4">
@@ -2765,13 +2646,6 @@
         </dgm:presLayoutVars>
       </dgm:prSet>
       <dgm:spPr/>
-      <dgm:t>
-        <a:bodyPr/>
-        <a:lstStyle/>
-        <a:p>
-          <a:endParaRPr lang="de-DE"/>
-        </a:p>
-      </dgm:t>
     </dgm:pt>
     <dgm:pt modelId="{C11F4543-1CF3-48E4-8EA2-CA23B834E1A4}" type="pres">
       <dgm:prSet presAssocID="{C5638C4F-91CC-4807-B0FA-C5FD63F03484}" presName="space" presStyleCnt="0"/>
@@ -2790,13 +2664,6 @@
         </dgm:presLayoutVars>
       </dgm:prSet>
       <dgm:spPr/>
-      <dgm:t>
-        <a:bodyPr/>
-        <a:lstStyle/>
-        <a:p>
-          <a:endParaRPr lang="de-DE"/>
-        </a:p>
-      </dgm:t>
     </dgm:pt>
     <dgm:pt modelId="{9FB13856-8F9B-4B8F-890B-13C1AB453C5F}" type="pres">
       <dgm:prSet presAssocID="{1FE9AF27-6654-4BBE-B4BA-D54C614B7958}" presName="desTx" presStyleLbl="alignAccFollowNode1" presStyleIdx="2" presStyleCnt="4">
@@ -2805,13 +2672,6 @@
         </dgm:presLayoutVars>
       </dgm:prSet>
       <dgm:spPr/>
-      <dgm:t>
-        <a:bodyPr/>
-        <a:lstStyle/>
-        <a:p>
-          <a:endParaRPr lang="de-DE"/>
-        </a:p>
-      </dgm:t>
     </dgm:pt>
     <dgm:pt modelId="{D009FDCE-B8E5-45F8-A3B3-BA66F7C277D2}" type="pres">
       <dgm:prSet presAssocID="{AD793847-3154-4535-B87B-6ED2E10EDFE0}" presName="space" presStyleCnt="0"/>
@@ -2830,13 +2690,6 @@
         </dgm:presLayoutVars>
       </dgm:prSet>
       <dgm:spPr/>
-      <dgm:t>
-        <a:bodyPr/>
-        <a:lstStyle/>
-        <a:p>
-          <a:endParaRPr lang="de-DE"/>
-        </a:p>
-      </dgm:t>
     </dgm:pt>
     <dgm:pt modelId="{1416719B-12B3-4CB5-B236-EFC283C57114}" type="pres">
       <dgm:prSet presAssocID="{FA1A7BF6-5396-428E-8D44-8A32BD2FA150}" presName="desTx" presStyleLbl="alignAccFollowNode1" presStyleIdx="3" presStyleCnt="4">
@@ -2845,41 +2698,34 @@
         </dgm:presLayoutVars>
       </dgm:prSet>
       <dgm:spPr/>
-      <dgm:t>
-        <a:bodyPr/>
-        <a:lstStyle/>
-        <a:p>
-          <a:endParaRPr lang="de-DE"/>
-        </a:p>
-      </dgm:t>
     </dgm:pt>
   </dgm:ptLst>
   <dgm:cxnLst>
+    <dgm:cxn modelId="{4C426D03-81A9-4AC8-9DB1-781CE0E311F5}" type="presOf" srcId="{172B05FC-119A-47B9-949D-0CB584679F24}" destId="{F203B3F7-7445-43DF-9F97-1CDE7162B689}" srcOrd="0" destOrd="0" presId="urn:microsoft.com/office/officeart/2005/8/layout/hList1"/>
+    <dgm:cxn modelId="{90F4EA14-0770-47DD-9F43-F8115E51A1A4}" srcId="{1FE9AF27-6654-4BBE-B4BA-D54C614B7958}" destId="{DA5B5DF8-DFB0-4D79-95B4-E78BFBB78E4F}" srcOrd="0" destOrd="0" parTransId="{9459352E-C485-4981-99B2-B1FDA23BC53D}" sibTransId="{3488A5C8-625B-4DCB-8922-120C48F9D8E6}"/>
     <dgm:cxn modelId="{3ABB302E-C52B-435B-B8A2-FB5126EFDF62}" type="presOf" srcId="{41865D24-A5FD-46E7-BF13-5849495540CB}" destId="{1416719B-12B3-4CB5-B236-EFC283C57114}" srcOrd="0" destOrd="0" presId="urn:microsoft.com/office/officeart/2005/8/layout/hList1"/>
-    <dgm:cxn modelId="{2E5B14B2-F097-4958-90FD-94DD633ADAEB}" type="presOf" srcId="{120895B5-276D-4CD6-A6DD-495FBF60374E}" destId="{1416719B-12B3-4CB5-B236-EFC283C57114}" srcOrd="0" destOrd="1" presId="urn:microsoft.com/office/officeart/2005/8/layout/hList1"/>
+    <dgm:cxn modelId="{E9C17F30-D9BA-4557-A80F-6C7F019DC15F}" type="presOf" srcId="{1FE9AF27-6654-4BBE-B4BA-D54C614B7958}" destId="{19AB32B9-7166-4D05-970E-18E105F12F65}" srcOrd="0" destOrd="0" presId="urn:microsoft.com/office/officeart/2005/8/layout/hList1"/>
+    <dgm:cxn modelId="{52BFC235-97DB-46C6-9F86-C0425055AE40}" srcId="{1E5E367C-C17F-4E37-8D64-08FF1DD8DF8C}" destId="{02A7CEF8-907D-41F3-9F61-A22486C70E82}" srcOrd="1" destOrd="0" parTransId="{2BBE9F49-B404-492F-977F-7CBAF6BFBAC2}" sibTransId="{C5638C4F-91CC-4807-B0FA-C5FD63F03484}"/>
     <dgm:cxn modelId="{52E8E148-FD97-498F-BE28-F4C3F2766D5D}" type="presOf" srcId="{865A39E7-AD65-4101-BB52-4D76F64DF9DC}" destId="{9FB13856-8F9B-4B8F-890B-13C1AB453C5F}" srcOrd="0" destOrd="1" presId="urn:microsoft.com/office/officeart/2005/8/layout/hList1"/>
-    <dgm:cxn modelId="{E9C17F30-D9BA-4557-A80F-6C7F019DC15F}" type="presOf" srcId="{1FE9AF27-6654-4BBE-B4BA-D54C614B7958}" destId="{19AB32B9-7166-4D05-970E-18E105F12F65}" srcOrd="0" destOrd="0" presId="urn:microsoft.com/office/officeart/2005/8/layout/hList1"/>
-    <dgm:cxn modelId="{D3F71FFB-2C0C-4260-A125-5C87D2EB27DF}" srcId="{1FE9AF27-6654-4BBE-B4BA-D54C614B7958}" destId="{865A39E7-AD65-4101-BB52-4D76F64DF9DC}" srcOrd="1" destOrd="0" parTransId="{511EA99B-B63A-4343-B20E-477DDD0B2BD1}" sibTransId="{77444C85-2112-4AA9-A170-69A8EB0F53A9}"/>
-    <dgm:cxn modelId="{9BD2B091-35E4-4883-9645-3CC0911BEFA0}" srcId="{02A7CEF8-907D-41F3-9F61-A22486C70E82}" destId="{4B018E48-D095-4621-BBC2-4BD0E8C980C0}" srcOrd="0" destOrd="0" parTransId="{0F285BCF-51A8-4CD7-90BC-AB4AFCDD2626}" sibTransId="{DD7AEB07-FB74-435D-8F30-24B5171779BA}"/>
+    <dgm:cxn modelId="{FFF7F24A-8BB1-447E-928E-DFAE14CCE533}" srcId="{1E5E367C-C17F-4E37-8D64-08FF1DD8DF8C}" destId="{FA1A7BF6-5396-428E-8D44-8A32BD2FA150}" srcOrd="3" destOrd="0" parTransId="{13023AE2-4DF9-4D5E-A4BE-F3AA7D085F97}" sibTransId="{9715742F-50D6-48C0-BA8C-9FC1731B0803}"/>
+    <dgm:cxn modelId="{4944E14B-C16E-4D14-A959-2BEC4A805CB0}" type="presOf" srcId="{DA5B5DF8-DFB0-4D79-95B4-E78BFBB78E4F}" destId="{9FB13856-8F9B-4B8F-890B-13C1AB453C5F}" srcOrd="0" destOrd="0" presId="urn:microsoft.com/office/officeart/2005/8/layout/hList1"/>
     <dgm:cxn modelId="{FD6A2E50-D4DC-45C2-8454-42A5F72078ED}" type="presOf" srcId="{07A765B2-D373-4EDF-85E0-692BF58B4AFD}" destId="{6AC14AD3-AE6D-4868-A1A9-3351C1165641}" srcOrd="0" destOrd="1" presId="urn:microsoft.com/office/officeart/2005/8/layout/hList1"/>
     <dgm:cxn modelId="{41599477-5318-4871-978B-AC0D7D1FEEA5}" type="presOf" srcId="{FA1A7BF6-5396-428E-8D44-8A32BD2FA150}" destId="{3F3EBAA9-6267-433D-ACA4-F013E0AC5AB4}" srcOrd="0" destOrd="0" presId="urn:microsoft.com/office/officeart/2005/8/layout/hList1"/>
+    <dgm:cxn modelId="{6D1D817E-3235-49C3-A66F-937A2FDF8D9D}" srcId="{FA1A7BF6-5396-428E-8D44-8A32BD2FA150}" destId="{120895B5-276D-4CD6-A6DD-495FBF60374E}" srcOrd="1" destOrd="0" parTransId="{67946697-0ADF-478D-93A4-2424745B4757}" sibTransId="{E00F7F2B-9255-4701-82C3-79C8E14A690C}"/>
+    <dgm:cxn modelId="{06F37D86-D639-4A90-9FD7-928BFCA70065}" type="presOf" srcId="{4B018E48-D095-4621-BBC2-4BD0E8C980C0}" destId="{6AC14AD3-AE6D-4868-A1A9-3351C1165641}" srcOrd="0" destOrd="0" presId="urn:microsoft.com/office/officeart/2005/8/layout/hList1"/>
     <dgm:cxn modelId="{512B7489-58C6-4599-8604-7F215F21FAE8}" type="presOf" srcId="{1E5E367C-C17F-4E37-8D64-08FF1DD8DF8C}" destId="{965FB2B3-FF57-4614-BCF4-1C2C358D9700}" srcOrd="0" destOrd="0" presId="urn:microsoft.com/office/officeart/2005/8/layout/hList1"/>
-    <dgm:cxn modelId="{6D1D817E-3235-49C3-A66F-937A2FDF8D9D}" srcId="{FA1A7BF6-5396-428E-8D44-8A32BD2FA150}" destId="{120895B5-276D-4CD6-A6DD-495FBF60374E}" srcOrd="1" destOrd="0" parTransId="{67946697-0ADF-478D-93A4-2424745B4757}" sibTransId="{E00F7F2B-9255-4701-82C3-79C8E14A690C}"/>
-    <dgm:cxn modelId="{52BFC235-97DB-46C6-9F86-C0425055AE40}" srcId="{1E5E367C-C17F-4E37-8D64-08FF1DD8DF8C}" destId="{02A7CEF8-907D-41F3-9F61-A22486C70E82}" srcOrd="1" destOrd="0" parTransId="{2BBE9F49-B404-492F-977F-7CBAF6BFBAC2}" sibTransId="{C5638C4F-91CC-4807-B0FA-C5FD63F03484}"/>
-    <dgm:cxn modelId="{FFF7F24A-8BB1-447E-928E-DFAE14CCE533}" srcId="{1E5E367C-C17F-4E37-8D64-08FF1DD8DF8C}" destId="{FA1A7BF6-5396-428E-8D44-8A32BD2FA150}" srcOrd="3" destOrd="0" parTransId="{13023AE2-4DF9-4D5E-A4BE-F3AA7D085F97}" sibTransId="{9715742F-50D6-48C0-BA8C-9FC1731B0803}"/>
+    <dgm:cxn modelId="{E57BF78B-0333-466A-B03B-95C3C9CD0ABD}" type="presOf" srcId="{2275E0A0-654C-47C5-8A86-D2B6157157B0}" destId="{7111258F-1AAF-4E3F-8244-48D304EE10DD}" srcOrd="0" destOrd="0" presId="urn:microsoft.com/office/officeart/2005/8/layout/hList1"/>
+    <dgm:cxn modelId="{9BD2B091-35E4-4883-9645-3CC0911BEFA0}" srcId="{02A7CEF8-907D-41F3-9F61-A22486C70E82}" destId="{4B018E48-D095-4621-BBC2-4BD0E8C980C0}" srcOrd="0" destOrd="0" parTransId="{0F285BCF-51A8-4CD7-90BC-AB4AFCDD2626}" sibTransId="{DD7AEB07-FB74-435D-8F30-24B5171779BA}"/>
     <dgm:cxn modelId="{AE468EA0-0549-4C68-A296-A442CD5212A1}" srcId="{FA1A7BF6-5396-428E-8D44-8A32BD2FA150}" destId="{41865D24-A5FD-46E7-BF13-5849495540CB}" srcOrd="0" destOrd="0" parTransId="{3BDAE053-1FB4-42EC-B3AF-E122424EC62D}" sibTransId="{1A506DB9-F3A9-4AC0-908B-0F13059F3DA6}"/>
     <dgm:cxn modelId="{BB8869A4-CAED-4B79-A4DB-150070E587D9}" type="presOf" srcId="{35581704-E56C-4BCF-92CB-06223906C3B8}" destId="{F203B3F7-7445-43DF-9F97-1CDE7162B689}" srcOrd="0" destOrd="1" presId="urn:microsoft.com/office/officeart/2005/8/layout/hList1"/>
+    <dgm:cxn modelId="{2E5B14B2-F097-4958-90FD-94DD633ADAEB}" type="presOf" srcId="{120895B5-276D-4CD6-A6DD-495FBF60374E}" destId="{1416719B-12B3-4CB5-B236-EFC283C57114}" srcOrd="0" destOrd="1" presId="urn:microsoft.com/office/officeart/2005/8/layout/hList1"/>
     <dgm:cxn modelId="{D27B7CC3-9246-4031-9F4D-AB51C6E89EF2}" srcId="{1E5E367C-C17F-4E37-8D64-08FF1DD8DF8C}" destId="{2275E0A0-654C-47C5-8A86-D2B6157157B0}" srcOrd="0" destOrd="0" parTransId="{30D23F38-A4C7-45FB-BB3D-9E1FCDC3DF69}" sibTransId="{2ED63FC1-AA73-4D79-B17E-5818CDC53600}"/>
-    <dgm:cxn modelId="{E17F4CF5-6533-4835-8452-BEB8F665DDF1}" srcId="{02A7CEF8-907D-41F3-9F61-A22486C70E82}" destId="{07A765B2-D373-4EDF-85E0-692BF58B4AFD}" srcOrd="1" destOrd="0" parTransId="{8C1FFD8E-5A7E-4E78-9CF3-963BF3756156}" sibTransId="{FBB78C10-32EF-4B4E-9165-A8DADB72B82F}"/>
     <dgm:cxn modelId="{E35B48C4-0C48-483D-A99C-D5902116946A}" type="presOf" srcId="{02A7CEF8-907D-41F3-9F61-A22486C70E82}" destId="{6C36BDD5-81A9-4CFE-ACA9-9A8BE9E08075}" srcOrd="0" destOrd="0" presId="urn:microsoft.com/office/officeart/2005/8/layout/hList1"/>
     <dgm:cxn modelId="{B97625E1-C342-4FBB-9720-9DB6D6F655D5}" srcId="{2275E0A0-654C-47C5-8A86-D2B6157157B0}" destId="{172B05FC-119A-47B9-949D-0CB584679F24}" srcOrd="0" destOrd="0" parTransId="{0C2A61CE-F4FF-4600-86AD-C3E248CC1B79}" sibTransId="{90F1EC0B-C96A-484D-8084-706DA2F2E2BE}"/>
+    <dgm:cxn modelId="{E17F4CF5-6533-4835-8452-BEB8F665DDF1}" srcId="{02A7CEF8-907D-41F3-9F61-A22486C70E82}" destId="{07A765B2-D373-4EDF-85E0-692BF58B4AFD}" srcOrd="1" destOrd="0" parTransId="{8C1FFD8E-5A7E-4E78-9CF3-963BF3756156}" sibTransId="{FBB78C10-32EF-4B4E-9165-A8DADB72B82F}"/>
+    <dgm:cxn modelId="{BC0B83FA-B0E2-4B25-9C0A-3A0093B20DEF}" srcId="{2275E0A0-654C-47C5-8A86-D2B6157157B0}" destId="{35581704-E56C-4BCF-92CB-06223906C3B8}" srcOrd="1" destOrd="0" parTransId="{9D2E4872-712B-450F-96D8-4414300411AD}" sibTransId="{97F4B611-6D10-4E8A-B5B2-B0DF20E5D36C}"/>
+    <dgm:cxn modelId="{D3F71FFB-2C0C-4260-A125-5C87D2EB27DF}" srcId="{1FE9AF27-6654-4BBE-B4BA-D54C614B7958}" destId="{865A39E7-AD65-4101-BB52-4D76F64DF9DC}" srcOrd="1" destOrd="0" parTransId="{511EA99B-B63A-4343-B20E-477DDD0B2BD1}" sibTransId="{77444C85-2112-4AA9-A170-69A8EB0F53A9}"/>
     <dgm:cxn modelId="{0D58B2FE-0783-4247-ADC3-E76FEFEEABF6}" srcId="{1E5E367C-C17F-4E37-8D64-08FF1DD8DF8C}" destId="{1FE9AF27-6654-4BBE-B4BA-D54C614B7958}" srcOrd="2" destOrd="0" parTransId="{54B82E4C-233E-43CB-9231-0241BA466C74}" sibTransId="{AD793847-3154-4535-B87B-6ED2E10EDFE0}"/>
-    <dgm:cxn modelId="{06F37D86-D639-4A90-9FD7-928BFCA70065}" type="presOf" srcId="{4B018E48-D095-4621-BBC2-4BD0E8C980C0}" destId="{6AC14AD3-AE6D-4868-A1A9-3351C1165641}" srcOrd="0" destOrd="0" presId="urn:microsoft.com/office/officeart/2005/8/layout/hList1"/>
-    <dgm:cxn modelId="{E57BF78B-0333-466A-B03B-95C3C9CD0ABD}" type="presOf" srcId="{2275E0A0-654C-47C5-8A86-D2B6157157B0}" destId="{7111258F-1AAF-4E3F-8244-48D304EE10DD}" srcOrd="0" destOrd="0" presId="urn:microsoft.com/office/officeart/2005/8/layout/hList1"/>
-    <dgm:cxn modelId="{4944E14B-C16E-4D14-A959-2BEC4A805CB0}" type="presOf" srcId="{DA5B5DF8-DFB0-4D79-95B4-E78BFBB78E4F}" destId="{9FB13856-8F9B-4B8F-890B-13C1AB453C5F}" srcOrd="0" destOrd="0" presId="urn:microsoft.com/office/officeart/2005/8/layout/hList1"/>
-    <dgm:cxn modelId="{BC0B83FA-B0E2-4B25-9C0A-3A0093B20DEF}" srcId="{2275E0A0-654C-47C5-8A86-D2B6157157B0}" destId="{35581704-E56C-4BCF-92CB-06223906C3B8}" srcOrd="1" destOrd="0" parTransId="{9D2E4872-712B-450F-96D8-4414300411AD}" sibTransId="{97F4B611-6D10-4E8A-B5B2-B0DF20E5D36C}"/>
-    <dgm:cxn modelId="{4C426D03-81A9-4AC8-9DB1-781CE0E311F5}" type="presOf" srcId="{172B05FC-119A-47B9-949D-0CB584679F24}" destId="{F203B3F7-7445-43DF-9F97-1CDE7162B689}" srcOrd="0" destOrd="0" presId="urn:microsoft.com/office/officeart/2005/8/layout/hList1"/>
-    <dgm:cxn modelId="{90F4EA14-0770-47DD-9F43-F8115E51A1A4}" srcId="{1FE9AF27-6654-4BBE-B4BA-D54C614B7958}" destId="{DA5B5DF8-DFB0-4D79-95B4-E78BFBB78E4F}" srcOrd="0" destOrd="0" parTransId="{9459352E-C485-4981-99B2-B1FDA23BC53D}" sibTransId="{3488A5C8-625B-4DCB-8922-120C48F9D8E6}"/>
     <dgm:cxn modelId="{DD6F63E4-3CDA-4D94-8D3A-AB845D4BBCC8}" type="presParOf" srcId="{965FB2B3-FF57-4614-BCF4-1C2C358D9700}" destId="{945D3C01-580E-49E0-B425-998DBF873EE2}" srcOrd="0" destOrd="0" presId="urn:microsoft.com/office/officeart/2005/8/layout/hList1"/>
     <dgm:cxn modelId="{8F58ADA8-BB88-4947-A33B-C7DDC8FFE9A4}" type="presParOf" srcId="{945D3C01-580E-49E0-B425-998DBF873EE2}" destId="{7111258F-1AAF-4E3F-8244-48D304EE10DD}" srcOrd="0" destOrd="0" presId="urn:microsoft.com/office/officeart/2005/8/layout/hList1"/>
     <dgm:cxn modelId="{4A433DDD-D2D7-44A7-86B1-4DF5319D3E69}" type="presParOf" srcId="{945D3C01-580E-49E0-B425-998DBF873EE2}" destId="{F203B3F7-7445-43DF-9F97-1CDE7162B689}" srcOrd="1" destOrd="0" presId="urn:microsoft.com/office/officeart/2005/8/layout/hList1"/>
@@ -2972,7 +2818,7 @@
         </a:bodyPr>
         <a:lstStyle/>
         <a:p>
-          <a:pPr lvl="0" algn="ctr" defTabSz="844550">
+          <a:pPr marL="0" lvl="0" indent="0" algn="ctr" defTabSz="844550">
             <a:lnSpc>
               <a:spcPct val="90000"/>
             </a:lnSpc>
@@ -2982,6 +2828,7 @@
             <a:spcAft>
               <a:spcPct val="35000"/>
             </a:spcAft>
+            <a:buNone/>
           </a:pPr>
           <a:r>
             <a:rPr lang="en-GB" sz="1900" kern="1200" noProof="0"/>
@@ -3044,7 +2891,7 @@
         </a:bodyPr>
         <a:lstStyle/>
         <a:p>
-          <a:pPr lvl="0" algn="ctr" defTabSz="666750">
+          <a:pPr marL="0" lvl="0" indent="0" algn="ctr" defTabSz="666750">
             <a:lnSpc>
               <a:spcPct val="90000"/>
             </a:lnSpc>
@@ -3054,6 +2901,7 @@
             <a:spcAft>
               <a:spcPct val="35000"/>
             </a:spcAft>
+            <a:buNone/>
           </a:pPr>
           <a:endParaRPr lang="de-DE" sz="1500" kern="1200"/>
         </a:p>
@@ -3121,7 +2969,7 @@
         </a:bodyPr>
         <a:lstStyle/>
         <a:p>
-          <a:pPr lvl="0" algn="ctr" defTabSz="844550">
+          <a:pPr marL="0" lvl="0" indent="0" algn="ctr" defTabSz="844550">
             <a:lnSpc>
               <a:spcPct val="90000"/>
             </a:lnSpc>
@@ -3131,6 +2979,7 @@
             <a:spcAft>
               <a:spcPct val="35000"/>
             </a:spcAft>
+            <a:buNone/>
           </a:pPr>
           <a:r>
             <a:rPr lang="en-GB" sz="1900" kern="1200" noProof="0"/>
@@ -3193,7 +3042,7 @@
         </a:bodyPr>
         <a:lstStyle/>
         <a:p>
-          <a:pPr lvl="0" algn="ctr" defTabSz="666750">
+          <a:pPr marL="0" lvl="0" indent="0" algn="ctr" defTabSz="666750">
             <a:lnSpc>
               <a:spcPct val="90000"/>
             </a:lnSpc>
@@ -3203,6 +3052,7 @@
             <a:spcAft>
               <a:spcPct val="35000"/>
             </a:spcAft>
+            <a:buNone/>
           </a:pPr>
           <a:endParaRPr lang="de-DE" sz="1500" kern="1200"/>
         </a:p>
@@ -3270,7 +3120,7 @@
         </a:bodyPr>
         <a:lstStyle/>
         <a:p>
-          <a:pPr lvl="0" algn="ctr" defTabSz="844550">
+          <a:pPr marL="0" lvl="0" indent="0" algn="ctr" defTabSz="844550">
             <a:lnSpc>
               <a:spcPct val="90000"/>
             </a:lnSpc>
@@ -3280,6 +3130,7 @@
             <a:spcAft>
               <a:spcPct val="35000"/>
             </a:spcAft>
+            <a:buNone/>
           </a:pPr>
           <a:r>
             <a:rPr lang="en-GB" sz="1900" kern="1200" noProof="0"/>
@@ -3342,7 +3193,7 @@
         </a:bodyPr>
         <a:lstStyle/>
         <a:p>
-          <a:pPr lvl="0" algn="ctr" defTabSz="666750">
+          <a:pPr marL="0" lvl="0" indent="0" algn="ctr" defTabSz="666750">
             <a:lnSpc>
               <a:spcPct val="90000"/>
             </a:lnSpc>
@@ -3352,6 +3203,7 @@
             <a:spcAft>
               <a:spcPct val="35000"/>
             </a:spcAft>
+            <a:buNone/>
           </a:pPr>
           <a:endParaRPr lang="de-DE" sz="1500" kern="1200"/>
         </a:p>
@@ -3419,7 +3271,7 @@
         </a:bodyPr>
         <a:lstStyle/>
         <a:p>
-          <a:pPr lvl="0" algn="ctr" defTabSz="844550">
+          <a:pPr marL="0" lvl="0" indent="0" algn="ctr" defTabSz="844550">
             <a:lnSpc>
               <a:spcPct val="90000"/>
             </a:lnSpc>
@@ -3429,6 +3281,7 @@
             <a:spcAft>
               <a:spcPct val="35000"/>
             </a:spcAft>
+            <a:buNone/>
           </a:pPr>
           <a:r>
             <a:rPr lang="en-GB" sz="1900" kern="1200" noProof="0"/>
@@ -3491,7 +3344,7 @@
         </a:bodyPr>
         <a:lstStyle/>
         <a:p>
-          <a:pPr lvl="0" algn="ctr" defTabSz="666750">
+          <a:pPr marL="0" lvl="0" indent="0" algn="ctr" defTabSz="666750">
             <a:lnSpc>
               <a:spcPct val="90000"/>
             </a:lnSpc>
@@ -3501,6 +3354,7 @@
             <a:spcAft>
               <a:spcPct val="35000"/>
             </a:spcAft>
+            <a:buNone/>
           </a:pPr>
           <a:endParaRPr lang="de-DE" sz="1500" kern="1200"/>
         </a:p>
@@ -3568,7 +3422,7 @@
         </a:bodyPr>
         <a:lstStyle/>
         <a:p>
-          <a:pPr lvl="0" algn="ctr" defTabSz="844550">
+          <a:pPr marL="0" lvl="0" indent="0" algn="ctr" defTabSz="844550">
             <a:lnSpc>
               <a:spcPct val="90000"/>
             </a:lnSpc>
@@ -3578,6 +3432,7 @@
             <a:spcAft>
               <a:spcPct val="35000"/>
             </a:spcAft>
+            <a:buNone/>
           </a:pPr>
           <a:r>
             <a:rPr lang="en-GB" sz="1900" kern="1200" noProof="0"/>
@@ -3657,7 +3512,7 @@
         </a:bodyPr>
         <a:lstStyle/>
         <a:p>
-          <a:pPr lvl="0" algn="ctr" defTabSz="844550">
+          <a:pPr marL="0" lvl="0" indent="0" algn="ctr" defTabSz="844550">
             <a:lnSpc>
               <a:spcPct val="90000"/>
             </a:lnSpc>
@@ -3667,6 +3522,7 @@
             <a:spcAft>
               <a:spcPct val="35000"/>
             </a:spcAft>
+            <a:buNone/>
           </a:pPr>
           <a:r>
             <a:rPr lang="en-GB" sz="1900" kern="1200" noProof="0"/>
@@ -3746,7 +3602,7 @@
             <a:spcAft>
               <a:spcPct val="15000"/>
             </a:spcAft>
-            <a:buChar char="••"/>
+            <a:buChar char="•"/>
           </a:pPr>
           <a:r>
             <a:rPr lang="en-GB" sz="1900" kern="1200" noProof="0" dirty="0"/>
@@ -3772,7 +3628,7 @@
             <a:spcAft>
               <a:spcPct val="15000"/>
             </a:spcAft>
-            <a:buChar char="••"/>
+            <a:buChar char="•"/>
           </a:pPr>
           <a:r>
             <a:rPr lang="en-GB" sz="1900" kern="1200" noProof="0" dirty="0"/>
@@ -3792,7 +3648,7 @@
             <a:rPr lang="en-GB" sz="1900" b="1" i="0" kern="1200" noProof="0" dirty="0">
               <a:sym typeface="Wingdings" panose="05000000000000000000" pitchFamily="2" charset="2"/>
             </a:rPr>
-            <a:t>98.135%</a:t>
+            <a:t>still running</a:t>
           </a:r>
           <a:endParaRPr lang="en-GB" sz="1900" b="1" kern="1200" noProof="0" dirty="0"/>
         </a:p>
@@ -3857,7 +3713,7 @@
         </a:bodyPr>
         <a:lstStyle/>
         <a:p>
-          <a:pPr lvl="0" algn="ctr" defTabSz="844550">
+          <a:pPr marL="0" lvl="0" indent="0" algn="ctr" defTabSz="844550">
             <a:lnSpc>
               <a:spcPct val="90000"/>
             </a:lnSpc>
@@ -3867,6 +3723,7 @@
             <a:spcAft>
               <a:spcPct val="35000"/>
             </a:spcAft>
+            <a:buNone/>
           </a:pPr>
           <a:r>
             <a:rPr lang="en-GB" sz="1900" kern="1200" noProof="0"/>
@@ -3946,7 +3803,7 @@
             <a:spcAft>
               <a:spcPct val="15000"/>
             </a:spcAft>
-            <a:buChar char="••"/>
+            <a:buChar char="•"/>
           </a:pPr>
           <a:r>
             <a:rPr lang="en-GB" sz="1900" kern="1200" noProof="0" dirty="0"/>
@@ -3972,7 +3829,7 @@
             <a:spcAft>
               <a:spcPct val="15000"/>
             </a:spcAft>
-            <a:buChar char="••"/>
+            <a:buChar char="•"/>
           </a:pPr>
           <a:r>
             <a:rPr lang="en-GB" sz="1900" kern="1200" noProof="0" dirty="0"/>
@@ -3992,7 +3849,7 @@
             <a:rPr lang="en-GB" sz="1900" b="1" i="0" kern="1200" noProof="0" dirty="0">
               <a:sym typeface="Wingdings" panose="05000000000000000000" pitchFamily="2" charset="2"/>
             </a:rPr>
-            <a:t>92.79%</a:t>
+            <a:t>still running</a:t>
           </a:r>
           <a:endParaRPr lang="en-GB" sz="1900" b="1" kern="1200" noProof="0" dirty="0"/>
         </a:p>
@@ -4057,7 +3914,7 @@
         </a:bodyPr>
         <a:lstStyle/>
         <a:p>
-          <a:pPr lvl="0" algn="ctr" defTabSz="844550">
+          <a:pPr marL="0" lvl="0" indent="0" algn="ctr" defTabSz="844550">
             <a:lnSpc>
               <a:spcPct val="90000"/>
             </a:lnSpc>
@@ -4067,6 +3924,7 @@
             <a:spcAft>
               <a:spcPct val="35000"/>
             </a:spcAft>
+            <a:buNone/>
           </a:pPr>
           <a:r>
             <a:rPr lang="en-GB" sz="1900" kern="1200" noProof="0" err="1"/>
@@ -4147,7 +4005,7 @@
             <a:spcAft>
               <a:spcPct val="15000"/>
             </a:spcAft>
-            <a:buChar char="••"/>
+            <a:buChar char="•"/>
           </a:pPr>
           <a:r>
             <a:rPr lang="en-GB" sz="1900" kern="1200" noProof="0" dirty="0"/>
@@ -4173,7 +4031,7 @@
             <a:spcAft>
               <a:spcPct val="15000"/>
             </a:spcAft>
-            <a:buChar char="••"/>
+            <a:buChar char="•"/>
           </a:pPr>
           <a:r>
             <a:rPr lang="en-GB" sz="1900" kern="1200" noProof="0" dirty="0"/>
@@ -4195,7 +4053,7 @@
           </a:r>
           <a:r>
             <a:rPr lang="en-GB" sz="1900" b="1" kern="1200" noProof="0" dirty="0"/>
-            <a:t>93.51%</a:t>
+            <a:t>still running</a:t>
           </a:r>
         </a:p>
       </dsp:txBody>
@@ -4259,7 +4117,7 @@
         </a:bodyPr>
         <a:lstStyle/>
         <a:p>
-          <a:pPr lvl="0" algn="ctr" defTabSz="844550">
+          <a:pPr marL="0" lvl="0" indent="0" algn="ctr" defTabSz="844550">
             <a:lnSpc>
               <a:spcPct val="90000"/>
             </a:lnSpc>
@@ -4269,6 +4127,7 @@
             <a:spcAft>
               <a:spcPct val="35000"/>
             </a:spcAft>
+            <a:buNone/>
           </a:pPr>
           <a:r>
             <a:rPr lang="en-GB" sz="1900" kern="1200" noProof="0"/>
@@ -4348,7 +4207,7 @@
             <a:spcAft>
               <a:spcPct val="15000"/>
             </a:spcAft>
-            <a:buChar char="••"/>
+            <a:buChar char="•"/>
           </a:pPr>
           <a:r>
             <a:rPr lang="en-GB" sz="1900" kern="1200" noProof="0" err="1"/>
@@ -4370,7 +4229,7 @@
             <a:spcAft>
               <a:spcPct val="15000"/>
             </a:spcAft>
-            <a:buChar char="••"/>
+            <a:buChar char="•"/>
           </a:pPr>
           <a:r>
             <a:rPr lang="en-GB" sz="1900" kern="1200" noProof="0" dirty="0"/>
@@ -10149,7 +10008,7 @@
                 <a16:creationId xmlns:a16="http://schemas.microsoft.com/office/drawing/2014/main" id="{85CB65D0-496F-4797-A015-C85839E35D1A}"/>
               </a:ext>
               <a:ext uri="{C183D7F6-B498-43B3-948B-1728B52AA6E4}">
-                <adec:decorative xmlns="" xmlns:adec="http://schemas.microsoft.com/office/drawing/2017/decorative" val="1"/>
+                <adec:decorative xmlns:adec="http://schemas.microsoft.com/office/drawing/2017/decorative" val="1"/>
               </a:ext>
             </a:extLst>
           </p:cNvPr>
@@ -10254,7 +10113,7 @@
                 <a16:creationId xmlns:a16="http://schemas.microsoft.com/office/drawing/2014/main" id="{95D2C779-8883-4E5F-A170-0F464918C1B7}"/>
               </a:ext>
               <a:ext uri="{C183D7F6-B498-43B3-948B-1728B52AA6E4}">
-                <adec:decorative xmlns="" xmlns:adec="http://schemas.microsoft.com/office/drawing/2017/decorative" val="1"/>
+                <adec:decorative xmlns:adec="http://schemas.microsoft.com/office/drawing/2017/decorative" val="1"/>
               </a:ext>
             </a:extLst>
           </p:cNvPr>
@@ -10438,7 +10297,7 @@
                 <a16:creationId xmlns:a16="http://schemas.microsoft.com/office/drawing/2014/main" id="{BD96A694-258D-4418-A83C-B9BA72FD44B8}"/>
               </a:ext>
               <a:ext uri="{C183D7F6-B498-43B3-948B-1728B52AA6E4}">
-                <adec:decorative xmlns="" xmlns:adec="http://schemas.microsoft.com/office/drawing/2017/decorative" val="1"/>
+                <adec:decorative xmlns:adec="http://schemas.microsoft.com/office/drawing/2017/decorative" val="1"/>
               </a:ext>
             </a:extLst>
           </p:cNvPr>
@@ -10690,7 +10549,7 @@
                 <a14:useLocalDpi xmlns:a14="http://schemas.microsoft.com/office/drawing/2010/main" val="0"/>
               </a:ext>
               <a:ext uri="{96DAC541-7B7A-43D3-8B79-37D633B846F1}">
-                <asvg:svgBlip xmlns="" xmlns:asvg="http://schemas.microsoft.com/office/drawing/2016/SVG/main" r:embed="rId8"/>
+                <asvg:svgBlip xmlns:asvg="http://schemas.microsoft.com/office/drawing/2016/SVG/main" r:embed="rId8"/>
               </a:ext>
             </a:extLst>
           </a:blip>
@@ -10729,7 +10588,7 @@
                 <a14:useLocalDpi xmlns:a14="http://schemas.microsoft.com/office/drawing/2010/main" val="0"/>
               </a:ext>
               <a:ext uri="{96DAC541-7B7A-43D3-8B79-37D633B846F1}">
-                <asvg:svgBlip xmlns="" xmlns:asvg="http://schemas.microsoft.com/office/drawing/2016/SVG/main" r:embed="rId8"/>
+                <asvg:svgBlip xmlns:asvg="http://schemas.microsoft.com/office/drawing/2016/SVG/main" r:embed="rId8"/>
               </a:ext>
             </a:extLst>
           </a:blip>
@@ -10768,7 +10627,7 @@
                 <a14:useLocalDpi xmlns:a14="http://schemas.microsoft.com/office/drawing/2010/main" val="0"/>
               </a:ext>
               <a:ext uri="{96DAC541-7B7A-43D3-8B79-37D633B846F1}">
-                <asvg:svgBlip xmlns="" xmlns:asvg="http://schemas.microsoft.com/office/drawing/2016/SVG/main" r:embed="rId8"/>
+                <asvg:svgBlip xmlns:asvg="http://schemas.microsoft.com/office/drawing/2016/SVG/main" r:embed="rId8"/>
               </a:ext>
             </a:extLst>
           </a:blip>
@@ -10807,7 +10666,7 @@
                 <a14:useLocalDpi xmlns:a14="http://schemas.microsoft.com/office/drawing/2010/main" val="0"/>
               </a:ext>
               <a:ext uri="{96DAC541-7B7A-43D3-8B79-37D633B846F1}">
-                <asvg:svgBlip xmlns="" xmlns:asvg="http://schemas.microsoft.com/office/drawing/2016/SVG/main" r:embed="rId10"/>
+                <asvg:svgBlip xmlns:asvg="http://schemas.microsoft.com/office/drawing/2016/SVG/main" r:embed="rId10"/>
               </a:ext>
             </a:extLst>
           </a:blip>
@@ -10843,7 +10702,7 @@
           <a:blip r:embed="rId11">
             <a:extLst>
               <a:ext uri="{837473B0-CC2E-450A-ABE3-18F120FF3D39}">
-                <a1611:picAttrSrcUrl xmlns="" xmlns:a1611="http://schemas.microsoft.com/office/drawing/2016/11/main" r:id="rId12"/>
+                <a1611:picAttrSrcUrl xmlns:a1611="http://schemas.microsoft.com/office/drawing/2016/11/main" r:id="rId12"/>
               </a:ext>
             </a:extLst>
           </a:blip>
@@ -10882,7 +10741,7 @@
                 <a14:useLocalDpi xmlns:a14="http://schemas.microsoft.com/office/drawing/2010/main" val="0"/>
               </a:ext>
               <a:ext uri="{96DAC541-7B7A-43D3-8B79-37D633B846F1}">
-                <asvg:svgBlip xmlns="" xmlns:asvg="http://schemas.microsoft.com/office/drawing/2016/SVG/main" r:embed="rId8"/>
+                <asvg:svgBlip xmlns:asvg="http://schemas.microsoft.com/office/drawing/2016/SVG/main" r:embed="rId8"/>
               </a:ext>
             </a:extLst>
           </a:blip>
@@ -10971,7 +10830,7 @@
           <p:nvPr>
             <p:extLst>
               <p:ext uri="{D42A27DB-BD31-4B8C-83A1-F6EECF244321}">
-                <p14:modId xmlns:p14="http://schemas.microsoft.com/office/powerpoint/2010/main" val="4197788259"/>
+                <p14:modId xmlns:p14="http://schemas.microsoft.com/office/powerpoint/2010/main" val="1128420168"/>
               </p:ext>
             </p:extLst>
           </p:nvPr>
@@ -10986,6 +10845,59 @@
           </a:graphicData>
         </a:graphic>
       </p:graphicFrame>
+      <p:sp>
+        <p:nvSpPr>
+          <p:cNvPr id="4" name="Sprechblase: rechteckig mit abgerundeten Ecken 3">
+            <a:extLst>
+              <a:ext uri="{FF2B5EF4-FFF2-40B4-BE49-F238E27FC236}">
+                <a16:creationId xmlns:a16="http://schemas.microsoft.com/office/drawing/2014/main" id="{632A6FAF-D80E-4B48-832C-C5B636A7FF89}"/>
+              </a:ext>
+            </a:extLst>
+          </p:cNvPr>
+          <p:cNvSpPr/>
+          <p:nvPr/>
+        </p:nvSpPr>
+        <p:spPr>
+          <a:xfrm>
+            <a:off x="10308230" y="1197204"/>
+            <a:ext cx="1381098" cy="980388"/>
+          </a:xfrm>
+          <a:prstGeom prst="wedgeRoundRectCallout">
+            <a:avLst>
+              <a:gd name="adj1" fmla="val -63834"/>
+              <a:gd name="adj2" fmla="val 63462"/>
+              <a:gd name="adj3" fmla="val 16667"/>
+            </a:avLst>
+          </a:prstGeom>
+        </p:spPr>
+        <p:style>
+          <a:lnRef idx="2">
+            <a:schemeClr val="accent1">
+              <a:shade val="50000"/>
+            </a:schemeClr>
+          </a:lnRef>
+          <a:fillRef idx="1">
+            <a:schemeClr val="accent1"/>
+          </a:fillRef>
+          <a:effectRef idx="0">
+            <a:schemeClr val="accent1"/>
+          </a:effectRef>
+          <a:fontRef idx="minor">
+            <a:schemeClr val="lt1"/>
+          </a:fontRef>
+        </p:style>
+        <p:txBody>
+          <a:bodyPr rtlCol="0" anchor="ctr"/>
+          <a:lstStyle/>
+          <a:p>
+            <a:pPr algn="ctr"/>
+            <a:r>
+              <a:rPr lang="de-DE" dirty="0"/>
+              <a:t>Work in Progress…</a:t>
+            </a:r>
+          </a:p>
+        </p:txBody>
+      </p:sp>
     </p:spTree>
     <p:extLst>
       <p:ext uri="{BB962C8B-B14F-4D97-AF65-F5344CB8AC3E}">
@@ -11032,7 +10944,7 @@
                 <a16:creationId xmlns:a16="http://schemas.microsoft.com/office/drawing/2014/main" id="{94E1CBB2-207D-4AB2-9FE1-BB3DFB5F50D8}"/>
               </a:ext>
               <a:ext uri="{C183D7F6-B498-43B3-948B-1728B52AA6E4}">
-                <adec:decorative xmlns="" xmlns:adec="http://schemas.microsoft.com/office/drawing/2017/decorative" val="1"/>
+                <adec:decorative xmlns:adec="http://schemas.microsoft.com/office/drawing/2017/decorative" val="1"/>
               </a:ext>
             </a:extLst>
           </p:cNvPr>
@@ -11129,7 +11041,7 @@
                 <a16:creationId xmlns:a16="http://schemas.microsoft.com/office/drawing/2014/main" id="{7B7C8768-C0E6-4BF8-9262-74D645629035}"/>
               </a:ext>
               <a:ext uri="{C183D7F6-B498-43B3-948B-1728B52AA6E4}">
-                <adec:decorative xmlns="" xmlns:adec="http://schemas.microsoft.com/office/drawing/2017/decorative" val="1"/>
+                <adec:decorative xmlns:adec="http://schemas.microsoft.com/office/drawing/2017/decorative" val="1"/>
               </a:ext>
             </a:extLst>
           </p:cNvPr>
@@ -11195,7 +11107,7 @@
                 <a16:creationId xmlns:a16="http://schemas.microsoft.com/office/drawing/2014/main" id="{B063FAF9-ACC5-4257-A431-AB2FCFD5CE27}"/>
               </a:ext>
               <a:ext uri="{C183D7F6-B498-43B3-948B-1728B52AA6E4}">
-                <adec:decorative xmlns="" xmlns:adec="http://schemas.microsoft.com/office/drawing/2017/decorative" val="1"/>
+                <adec:decorative xmlns:adec="http://schemas.microsoft.com/office/drawing/2017/decorative" val="1"/>
               </a:ext>
             </a:extLst>
           </p:cNvPr>
@@ -11261,7 +11173,7 @@
                 <a16:creationId xmlns:a16="http://schemas.microsoft.com/office/drawing/2014/main" id="{B3842A57-5543-489A-8D76-ECB59F25A14B}"/>
               </a:ext>
               <a:ext uri="{C183D7F6-B498-43B3-948B-1728B52AA6E4}">
-                <adec:decorative xmlns="" xmlns:adec="http://schemas.microsoft.com/office/drawing/2017/decorative" val="1"/>
+                <adec:decorative xmlns:adec="http://schemas.microsoft.com/office/drawing/2017/decorative" val="1"/>
               </a:ext>
             </a:extLst>
           </p:cNvPr>
@@ -11326,7 +11238,7 @@
                 <a16:creationId xmlns:a16="http://schemas.microsoft.com/office/drawing/2014/main" id="{6B5AB787-5A1E-418D-8980-5F3361C65541}"/>
               </a:ext>
               <a:ext uri="{C183D7F6-B498-43B3-948B-1728B52AA6E4}">
-                <adec:decorative xmlns="" xmlns:adec="http://schemas.microsoft.com/office/drawing/2017/decorative" val="1"/>
+                <adec:decorative xmlns:adec="http://schemas.microsoft.com/office/drawing/2017/decorative" val="1"/>
               </a:ext>
             </a:extLst>
           </p:cNvPr>
@@ -11681,15 +11593,6 @@
 </file>
 
 <file path=customXml/item1.xml><?xml version="1.0" encoding="utf-8"?>
-<?mso-contentType ?>
-<FormTemplates xmlns="http://schemas.microsoft.com/sharepoint/v3/contenttype/forms">
-  <Display>DocumentLibraryForm</Display>
-  <Edit>DocumentLibraryForm</Edit>
-  <New>DocumentLibraryForm</New>
-</FormTemplates>
-</file>
-
-<file path=customXml/item2.xml><?xml version="1.0" encoding="utf-8"?>
 <ct:contentTypeSchema xmlns:ct="http://schemas.microsoft.com/office/2006/metadata/contentType" xmlns:ma="http://schemas.microsoft.com/office/2006/metadata/properties/metaAttributes" ct:_="" ma:_="" ma:contentTypeName="Dokument" ma:contentTypeID="0x0101007F233ED257307A44B25889CE106E1C73" ma:contentTypeVersion="4" ma:contentTypeDescription="Ein neues Dokument erstellen." ma:contentTypeScope="" ma:versionID="5ab93505a7c61e362e7599a345e54eef">
   <xsd:schema xmlns:xsd="http://www.w3.org/2001/XMLSchema" xmlns:xs="http://www.w3.org/2001/XMLSchema" xmlns:p="http://schemas.microsoft.com/office/2006/metadata/properties" xmlns:ns3="8f5cbb60-a894-4ff0-ac77-fa10a38c4ca4" targetNamespace="http://schemas.microsoft.com/office/2006/metadata/properties" ma:root="true" ma:fieldsID="8986a3e15c06d62b31634ed6507c84c5" ns3:_="">
     <xsd:import namespace="8f5cbb60-a894-4ff0-ac77-fa10a38c4ca4"/>
@@ -11835,6 +11738,15 @@
 </ct:contentTypeSchema>
 </file>
 
+<file path=customXml/item2.xml><?xml version="1.0" encoding="utf-8"?>
+<?mso-contentType ?>
+<FormTemplates xmlns="http://schemas.microsoft.com/sharepoint/v3/contenttype/forms">
+  <Display>DocumentLibraryForm</Display>
+  <Edit>DocumentLibraryForm</Edit>
+  <New>DocumentLibraryForm</New>
+</FormTemplates>
+</file>
+
 <file path=customXml/item3.xml><?xml version="1.0" encoding="utf-8"?>
 <p:properties xmlns:p="http://schemas.microsoft.com/office/2006/metadata/properties" xmlns:xsi="http://www.w3.org/2001/XMLSchema-instance" xmlns:pc="http://schemas.microsoft.com/office/infopath/2007/PartnerControls">
   <documentManagement/>
@@ -11842,14 +11754,6 @@
 </file>
 
 <file path=customXml/itemProps1.xml><?xml version="1.0" encoding="utf-8"?>
-<ds:datastoreItem xmlns:ds="http://schemas.openxmlformats.org/officeDocument/2006/customXml" ds:itemID="{923EC2DD-E546-4A38-BCD6-59F807671D8E}">
-  <ds:schemaRefs>
-    <ds:schemaRef ds:uri="http://schemas.microsoft.com/sharepoint/v3/contenttype/forms"/>
-  </ds:schemaRefs>
-</ds:datastoreItem>
-</file>
-
-<file path=customXml/itemProps2.xml><?xml version="1.0" encoding="utf-8"?>
 <ds:datastoreItem xmlns:ds="http://schemas.openxmlformats.org/officeDocument/2006/customXml" ds:itemID="{823FCFCC-8154-48F0-9585-B85B2B76635C}">
   <ds:schemaRefs>
     <ds:schemaRef ds:uri="8f5cbb60-a894-4ff0-ac77-fa10a38c4ca4"/>
@@ -11863,6 +11767,14 @@
     <ds:schemaRef ds:uri="http://schemas.microsoft.com/office/infopath/2007/PartnerControls"/>
     <ds:schemaRef ds:uri="http://schemas.openxmlformats.org/package/2006/metadata/core-properties"/>
     <ds:schemaRef ds:uri="http://www.w3.org/2001/XMLSchema"/>
+  </ds:schemaRefs>
+</ds:datastoreItem>
+</file>
+
+<file path=customXml/itemProps2.xml><?xml version="1.0" encoding="utf-8"?>
+<ds:datastoreItem xmlns:ds="http://schemas.openxmlformats.org/officeDocument/2006/customXml" ds:itemID="{923EC2DD-E546-4A38-BCD6-59F807671D8E}">
+  <ds:schemaRefs>
+    <ds:schemaRef ds:uri="http://schemas.microsoft.com/sharepoint/v3/contenttype/forms"/>
   </ds:schemaRefs>
 </ds:datastoreItem>
 </file>
